--- a/プロジェクト実験　最終発表/プロジェクト実験最終発表.pptx
+++ b/プロジェクト実験　最終発表/プロジェクト実験最終発表.pptx
@@ -211,7 +211,7 @@
           <a:p>
             <a:fld id="{FF1647EB-3155-494F-BA82-C3F1D9480B24}" type="datetimeFigureOut">
               <a:rPr kumimoji="1" lang="ja-JP" altLang="en-US" smtClean="0"/>
-              <a:t>2019/1/23</a:t>
+              <a:t>2019/1/24</a:t>
             </a:fld>
             <a:endParaRPr kumimoji="1" lang="ja-JP" altLang="en-US"/>
           </a:p>
@@ -554,7 +554,25 @@
           <a:bodyPr/>
           <a:lstStyle/>
           <a:p>
-            <a:endParaRPr kumimoji="1" lang="ja-JP" altLang="en-US"/>
+            <a:r>
+              <a:rPr kumimoji="1" lang="ja-JP" altLang="en-US" sz="3200" dirty="0"/>
+              <a:t>これから，マルチメディア情報検索</a:t>
+            </a:r>
+            <a:r>
+              <a:rPr kumimoji="1" lang="en-US" altLang="ja-JP" sz="3200" dirty="0"/>
+              <a:t>B1</a:t>
+            </a:r>
+            <a:r>
+              <a:rPr kumimoji="1" lang="ja-JP" altLang="en-US" sz="3200" dirty="0"/>
+              <a:t>班の最終発表を始めます．</a:t>
+            </a:r>
+            <a:endParaRPr kumimoji="1" lang="en-US" altLang="ja-JP" sz="3200" dirty="0"/>
+          </a:p>
+          <a:p>
+            <a:r>
+              <a:rPr kumimoji="1" lang="ja-JP" altLang="en-US" sz="3200" dirty="0"/>
+              <a:t>よろしくお願いします</a:t>
+            </a:r>
           </a:p>
         </p:txBody>
       </p:sp>
@@ -585,6 +603,687 @@
     <p:extLst>
       <p:ext uri="{BB962C8B-B14F-4D97-AF65-F5344CB8AC3E}">
         <p14:creationId xmlns:p14="http://schemas.microsoft.com/office/powerpoint/2010/main" val="2196588975"/>
+      </p:ext>
+    </p:extLst>
+  </p:cSld>
+  <p:clrMapOvr>
+    <a:masterClrMapping/>
+  </p:clrMapOvr>
+</p:notes>
+</file>
+
+<file path=ppt/notesSlides/notesSlide10.xml><?xml version="1.0" encoding="utf-8"?>
+<p:notes xmlns:a="http://schemas.openxmlformats.org/drawingml/2006/main" xmlns:r="http://schemas.openxmlformats.org/officeDocument/2006/relationships" xmlns:p="http://schemas.openxmlformats.org/presentationml/2006/main">
+  <p:cSld>
+    <p:spTree>
+      <p:nvGrpSpPr>
+        <p:cNvPr id="1" name=""/>
+        <p:cNvGrpSpPr/>
+        <p:nvPr/>
+      </p:nvGrpSpPr>
+      <p:grpSpPr>
+        <a:xfrm>
+          <a:off x="0" y="0"/>
+          <a:ext cx="0" cy="0"/>
+          <a:chOff x="0" y="0"/>
+          <a:chExt cx="0" cy="0"/>
+        </a:xfrm>
+      </p:grpSpPr>
+      <p:sp>
+        <p:nvSpPr>
+          <p:cNvPr id="2" name="スライド イメージ プレースホルダー 1"/>
+          <p:cNvSpPr>
+            <a:spLocks noGrp="1" noRot="1" noChangeAspect="1"/>
+          </p:cNvSpPr>
+          <p:nvPr>
+            <p:ph type="sldImg"/>
+          </p:nvPr>
+        </p:nvSpPr>
+        <p:spPr/>
+      </p:sp>
+      <p:sp>
+        <p:nvSpPr>
+          <p:cNvPr id="3" name="ノート プレースホルダー 2"/>
+          <p:cNvSpPr>
+            <a:spLocks noGrp="1"/>
+          </p:cNvSpPr>
+          <p:nvPr>
+            <p:ph type="body" idx="1"/>
+          </p:nvPr>
+        </p:nvSpPr>
+        <p:spPr/>
+        <p:txBody>
+          <a:bodyPr/>
+          <a:lstStyle/>
+          <a:p>
+            <a:r>
+              <a:rPr kumimoji="1" lang="ja-JP" altLang="en-US" dirty="0"/>
+              <a:t>識別部では，</a:t>
+            </a:r>
+            <a:endParaRPr kumimoji="1" lang="en-US" altLang="ja-JP" dirty="0"/>
+          </a:p>
+          <a:p>
+            <a:r>
+              <a:rPr kumimoji="1" lang="ja-JP" altLang="en-US" dirty="0"/>
+              <a:t>画像そのものを使用する分類手法として，</a:t>
+            </a:r>
+            <a:endParaRPr kumimoji="1" lang="en-US" altLang="ja-JP" dirty="0"/>
+          </a:p>
+          <a:p>
+            <a:r>
+              <a:rPr kumimoji="1" lang="ja-JP" altLang="en-US" dirty="0"/>
+              <a:t>ピクセルマッチング，</a:t>
+            </a:r>
+            <a:r>
+              <a:rPr kumimoji="1" lang="en-US" altLang="ja-JP" dirty="0"/>
+              <a:t>NN</a:t>
+            </a:r>
+            <a:r>
+              <a:rPr kumimoji="1" lang="ja-JP" altLang="en-US" dirty="0" err="1"/>
+              <a:t>，</a:t>
+            </a:r>
+            <a:r>
+              <a:rPr kumimoji="1" lang="en-US" altLang="ja-JP" dirty="0"/>
+              <a:t>CNN</a:t>
+            </a:r>
+            <a:r>
+              <a:rPr kumimoji="1" lang="ja-JP" altLang="en-US" dirty="0"/>
+              <a:t>を使用しました．</a:t>
+            </a:r>
+            <a:endParaRPr kumimoji="1" lang="en-US" altLang="ja-JP" dirty="0"/>
+          </a:p>
+          <a:p>
+            <a:r>
+              <a:rPr kumimoji="1" lang="ja-JP" altLang="en-US" dirty="0"/>
+              <a:t>前処理で出力した特徴量を使用する分類手法として，</a:t>
+            </a:r>
+            <a:endParaRPr kumimoji="1" lang="en-US" altLang="ja-JP" dirty="0"/>
+          </a:p>
+          <a:p>
+            <a:r>
+              <a:rPr kumimoji="1" lang="en-US" altLang="ja-JP" dirty="0"/>
+              <a:t>K</a:t>
+            </a:r>
+            <a:r>
+              <a:rPr kumimoji="1" lang="ja-JP" altLang="en-US" dirty="0"/>
+              <a:t>最近傍法</a:t>
+            </a:r>
+            <a:endParaRPr kumimoji="1" lang="en-US" altLang="ja-JP" dirty="0"/>
+          </a:p>
+          <a:p>
+            <a:r>
+              <a:rPr kumimoji="1" lang="ja-JP" altLang="en-US" dirty="0"/>
+              <a:t>部分空間法</a:t>
+            </a:r>
+            <a:endParaRPr kumimoji="1" lang="en-US" altLang="ja-JP" dirty="0"/>
+          </a:p>
+          <a:p>
+            <a:r>
+              <a:rPr kumimoji="1" lang="en-US" altLang="ja-JP" dirty="0" err="1"/>
+              <a:t>LightGBM</a:t>
+            </a:r>
+            <a:r>
+              <a:rPr kumimoji="1" lang="ja-JP" altLang="en-US" dirty="0"/>
+              <a:t>を使用しました．</a:t>
+            </a:r>
+          </a:p>
+        </p:txBody>
+      </p:sp>
+      <p:sp>
+        <p:nvSpPr>
+          <p:cNvPr id="4" name="スライド番号プレースホルダー 3"/>
+          <p:cNvSpPr>
+            <a:spLocks noGrp="1"/>
+          </p:cNvSpPr>
+          <p:nvPr>
+            <p:ph type="sldNum" sz="quarter" idx="5"/>
+          </p:nvPr>
+        </p:nvSpPr>
+        <p:spPr/>
+        <p:txBody>
+          <a:bodyPr/>
+          <a:lstStyle/>
+          <a:p>
+            <a:fld id="{4A270F9C-5D17-4C12-AD78-18BABC3D1868}" type="slidenum">
+              <a:rPr kumimoji="1" lang="ja-JP" altLang="en-US" smtClean="0"/>
+              <a:t>10</a:t>
+            </a:fld>
+            <a:endParaRPr kumimoji="1" lang="ja-JP" altLang="en-US"/>
+          </a:p>
+        </p:txBody>
+      </p:sp>
+    </p:spTree>
+    <p:extLst>
+      <p:ext uri="{BB962C8B-B14F-4D97-AF65-F5344CB8AC3E}">
+        <p14:creationId xmlns:p14="http://schemas.microsoft.com/office/powerpoint/2010/main" val="342591620"/>
+      </p:ext>
+    </p:extLst>
+  </p:cSld>
+  <p:clrMapOvr>
+    <a:masterClrMapping/>
+  </p:clrMapOvr>
+</p:notes>
+</file>
+
+<file path=ppt/notesSlides/notesSlide11.xml><?xml version="1.0" encoding="utf-8"?>
+<p:notes xmlns:a="http://schemas.openxmlformats.org/drawingml/2006/main" xmlns:r="http://schemas.openxmlformats.org/officeDocument/2006/relationships" xmlns:p="http://schemas.openxmlformats.org/presentationml/2006/main">
+  <p:cSld>
+    <p:spTree>
+      <p:nvGrpSpPr>
+        <p:cNvPr id="1" name=""/>
+        <p:cNvGrpSpPr/>
+        <p:nvPr/>
+      </p:nvGrpSpPr>
+      <p:grpSpPr>
+        <a:xfrm>
+          <a:off x="0" y="0"/>
+          <a:ext cx="0" cy="0"/>
+          <a:chOff x="0" y="0"/>
+          <a:chExt cx="0" cy="0"/>
+        </a:xfrm>
+      </p:grpSpPr>
+      <p:sp>
+        <p:nvSpPr>
+          <p:cNvPr id="2" name="スライド イメージ プレースホルダー 1"/>
+          <p:cNvSpPr>
+            <a:spLocks noGrp="1" noRot="1" noChangeAspect="1"/>
+          </p:cNvSpPr>
+          <p:nvPr>
+            <p:ph type="sldImg"/>
+          </p:nvPr>
+        </p:nvSpPr>
+        <p:spPr/>
+      </p:sp>
+      <p:sp>
+        <p:nvSpPr>
+          <p:cNvPr id="3" name="ノート プレースホルダー 2"/>
+          <p:cNvSpPr>
+            <a:spLocks noGrp="1"/>
+          </p:cNvSpPr>
+          <p:nvPr>
+            <p:ph type="body" idx="1"/>
+          </p:nvPr>
+        </p:nvSpPr>
+        <p:spPr/>
+        <p:txBody>
+          <a:bodyPr/>
+          <a:lstStyle/>
+          <a:p>
+            <a:r>
+              <a:rPr kumimoji="1" lang="ja-JP" altLang="en-US" dirty="0"/>
+              <a:t>入力データと処理方法を選択して実行すると</a:t>
+            </a:r>
+            <a:endParaRPr kumimoji="1" lang="en-US" altLang="ja-JP" dirty="0"/>
+          </a:p>
+          <a:p>
+            <a:r>
+              <a:rPr kumimoji="1" lang="ja-JP" altLang="en-US" dirty="0"/>
+              <a:t>テストデータの正解率を出力する</a:t>
+            </a:r>
+            <a:r>
+              <a:rPr kumimoji="1" lang="en-US" altLang="ja-JP" dirty="0"/>
+              <a:t>GUI</a:t>
+            </a:r>
+            <a:r>
+              <a:rPr kumimoji="1" lang="ja-JP" altLang="en-US" dirty="0"/>
+              <a:t>を作成しました</a:t>
+            </a:r>
+            <a:endParaRPr kumimoji="1" lang="en-US" altLang="ja-JP" dirty="0"/>
+          </a:p>
+          <a:p>
+            <a:r>
+              <a:rPr kumimoji="1" lang="ja-JP" altLang="en-US" dirty="0"/>
+              <a:t>操作手順として，</a:t>
+            </a:r>
+            <a:endParaRPr kumimoji="1" lang="en-US" altLang="ja-JP" dirty="0"/>
+          </a:p>
+          <a:p>
+            <a:r>
+              <a:rPr kumimoji="1" lang="ja-JP" altLang="en-US" dirty="0"/>
+              <a:t>初めに，学習，検証データのフォルダを選択し，</a:t>
+            </a:r>
+            <a:endParaRPr kumimoji="1" lang="en-US" altLang="ja-JP" dirty="0"/>
+          </a:p>
+          <a:p>
+            <a:r>
+              <a:rPr kumimoji="1" lang="ja-JP" altLang="en-US" dirty="0"/>
+              <a:t>次に分類手法を選択します</a:t>
+            </a:r>
+            <a:endParaRPr kumimoji="1" lang="en-US" altLang="ja-JP" dirty="0"/>
+          </a:p>
+          <a:p>
+            <a:r>
+              <a:rPr kumimoji="1" lang="ja-JP" altLang="en-US" dirty="0"/>
+              <a:t>そして実行するとテストデータの正解率を表示されるようになっています</a:t>
+            </a:r>
+            <a:endParaRPr kumimoji="1" lang="en-US" altLang="ja-JP" dirty="0"/>
+          </a:p>
+        </p:txBody>
+      </p:sp>
+      <p:sp>
+        <p:nvSpPr>
+          <p:cNvPr id="4" name="スライド番号プレースホルダー 3"/>
+          <p:cNvSpPr>
+            <a:spLocks noGrp="1"/>
+          </p:cNvSpPr>
+          <p:nvPr>
+            <p:ph type="sldNum" sz="quarter" idx="5"/>
+          </p:nvPr>
+        </p:nvSpPr>
+        <p:spPr/>
+        <p:txBody>
+          <a:bodyPr/>
+          <a:lstStyle/>
+          <a:p>
+            <a:fld id="{4A270F9C-5D17-4C12-AD78-18BABC3D1868}" type="slidenum">
+              <a:rPr kumimoji="1" lang="ja-JP" altLang="en-US" smtClean="0"/>
+              <a:t>11</a:t>
+            </a:fld>
+            <a:endParaRPr kumimoji="1" lang="ja-JP" altLang="en-US"/>
+          </a:p>
+        </p:txBody>
+      </p:sp>
+    </p:spTree>
+    <p:extLst>
+      <p:ext uri="{BB962C8B-B14F-4D97-AF65-F5344CB8AC3E}">
+        <p14:creationId xmlns:p14="http://schemas.microsoft.com/office/powerpoint/2010/main" val="420058653"/>
+      </p:ext>
+    </p:extLst>
+  </p:cSld>
+  <p:clrMapOvr>
+    <a:masterClrMapping/>
+  </p:clrMapOvr>
+</p:notes>
+</file>
+
+<file path=ppt/notesSlides/notesSlide12.xml><?xml version="1.0" encoding="utf-8"?>
+<p:notes xmlns:a="http://schemas.openxmlformats.org/drawingml/2006/main" xmlns:r="http://schemas.openxmlformats.org/officeDocument/2006/relationships" xmlns:p="http://schemas.openxmlformats.org/presentationml/2006/main">
+  <p:cSld>
+    <p:spTree>
+      <p:nvGrpSpPr>
+        <p:cNvPr id="1" name=""/>
+        <p:cNvGrpSpPr/>
+        <p:nvPr/>
+      </p:nvGrpSpPr>
+      <p:grpSpPr>
+        <a:xfrm>
+          <a:off x="0" y="0"/>
+          <a:ext cx="0" cy="0"/>
+          <a:chOff x="0" y="0"/>
+          <a:chExt cx="0" cy="0"/>
+        </a:xfrm>
+      </p:grpSpPr>
+      <p:sp>
+        <p:nvSpPr>
+          <p:cNvPr id="2" name="スライド イメージ プレースホルダー 1"/>
+          <p:cNvSpPr>
+            <a:spLocks noGrp="1" noRot="1" noChangeAspect="1"/>
+          </p:cNvSpPr>
+          <p:nvPr>
+            <p:ph type="sldImg"/>
+          </p:nvPr>
+        </p:nvSpPr>
+        <p:spPr/>
+      </p:sp>
+      <p:sp>
+        <p:nvSpPr>
+          <p:cNvPr id="3" name="ノート プレースホルダー 2"/>
+          <p:cNvSpPr>
+            <a:spLocks noGrp="1"/>
+          </p:cNvSpPr>
+          <p:nvPr>
+            <p:ph type="body" idx="1"/>
+          </p:nvPr>
+        </p:nvSpPr>
+        <p:spPr/>
+        <p:txBody>
+          <a:bodyPr/>
+          <a:lstStyle/>
+          <a:p>
+            <a:r>
+              <a:rPr kumimoji="1" lang="ja-JP" altLang="en-US" dirty="0"/>
+              <a:t>認識精度が高かった手法ですが，</a:t>
+            </a:r>
+            <a:endParaRPr kumimoji="1" lang="en-US" altLang="ja-JP" dirty="0"/>
+          </a:p>
+          <a:p>
+            <a:r>
+              <a:rPr kumimoji="1" lang="ja-JP" altLang="en-US" dirty="0"/>
+              <a:t>一番良かったのは，エッジ検出後の画像から求めた</a:t>
+            </a:r>
+            <a:r>
+              <a:rPr kumimoji="1" lang="en-US" altLang="ja-JP" dirty="0"/>
+              <a:t>DCT</a:t>
+            </a:r>
+            <a:r>
+              <a:rPr kumimoji="1" lang="ja-JP" altLang="en-US" dirty="0"/>
+              <a:t>特徴量を</a:t>
+            </a:r>
+            <a:endParaRPr kumimoji="1" lang="en-US" altLang="ja-JP" dirty="0"/>
+          </a:p>
+          <a:p>
+            <a:r>
+              <a:rPr kumimoji="1" lang="ja-JP" altLang="en-US" dirty="0"/>
+              <a:t>単純マッチングによって分類したもので，</a:t>
+            </a:r>
+            <a:r>
+              <a:rPr kumimoji="1" lang="en-US" altLang="ja-JP" dirty="0"/>
+              <a:t>82%</a:t>
+            </a:r>
+            <a:r>
+              <a:rPr kumimoji="1" lang="ja-JP" altLang="en-US" dirty="0" err="1"/>
+              <a:t>で</a:t>
+            </a:r>
+            <a:r>
+              <a:rPr kumimoji="1" lang="ja-JP" altLang="en-US" dirty="0"/>
+              <a:t>した</a:t>
+            </a:r>
+            <a:endParaRPr kumimoji="1" lang="en-US" altLang="ja-JP" dirty="0"/>
+          </a:p>
+          <a:p>
+            <a:r>
+              <a:rPr kumimoji="1" lang="ja-JP" altLang="en-US" dirty="0"/>
+              <a:t>また，エッジ検出後の画像から求めた</a:t>
+            </a:r>
+            <a:r>
+              <a:rPr kumimoji="1" lang="en-US" altLang="ja-JP" dirty="0"/>
+              <a:t>HOG</a:t>
+            </a:r>
+            <a:r>
+              <a:rPr kumimoji="1" lang="ja-JP" altLang="en-US" dirty="0"/>
+              <a:t>特徴量を，</a:t>
+            </a:r>
+            <a:endParaRPr kumimoji="1" lang="en-US" altLang="ja-JP" dirty="0"/>
+          </a:p>
+          <a:p>
+            <a:r>
+              <a:rPr kumimoji="1" lang="en-US" altLang="ja-JP" dirty="0" err="1"/>
+              <a:t>kNN</a:t>
+            </a:r>
+            <a:r>
+              <a:rPr kumimoji="1" lang="ja-JP" altLang="en-US" dirty="0"/>
+              <a:t>によって分類したものが</a:t>
+            </a:r>
+            <a:r>
+              <a:rPr kumimoji="1" lang="en-US" altLang="ja-JP" dirty="0"/>
+              <a:t>75%</a:t>
+            </a:r>
+            <a:r>
+              <a:rPr kumimoji="1" lang="ja-JP" altLang="en-US" dirty="0"/>
+              <a:t>でした．</a:t>
+            </a:r>
+          </a:p>
+        </p:txBody>
+      </p:sp>
+      <p:sp>
+        <p:nvSpPr>
+          <p:cNvPr id="4" name="スライド番号プレースホルダー 3"/>
+          <p:cNvSpPr>
+            <a:spLocks noGrp="1"/>
+          </p:cNvSpPr>
+          <p:nvPr>
+            <p:ph type="sldNum" sz="quarter" idx="5"/>
+          </p:nvPr>
+        </p:nvSpPr>
+        <p:spPr/>
+        <p:txBody>
+          <a:bodyPr/>
+          <a:lstStyle/>
+          <a:p>
+            <a:fld id="{4A270F9C-5D17-4C12-AD78-18BABC3D1868}" type="slidenum">
+              <a:rPr kumimoji="1" lang="ja-JP" altLang="en-US" smtClean="0"/>
+              <a:t>12</a:t>
+            </a:fld>
+            <a:endParaRPr kumimoji="1" lang="ja-JP" altLang="en-US"/>
+          </a:p>
+        </p:txBody>
+      </p:sp>
+    </p:spTree>
+    <p:extLst>
+      <p:ext uri="{BB962C8B-B14F-4D97-AF65-F5344CB8AC3E}">
+        <p14:creationId xmlns:p14="http://schemas.microsoft.com/office/powerpoint/2010/main" val="2447252429"/>
+      </p:ext>
+    </p:extLst>
+  </p:cSld>
+  <p:clrMapOvr>
+    <a:masterClrMapping/>
+  </p:clrMapOvr>
+</p:notes>
+</file>
+
+<file path=ppt/notesSlides/notesSlide13.xml><?xml version="1.0" encoding="utf-8"?>
+<p:notes xmlns:a="http://schemas.openxmlformats.org/drawingml/2006/main" xmlns:r="http://schemas.openxmlformats.org/officeDocument/2006/relationships" xmlns:p="http://schemas.openxmlformats.org/presentationml/2006/main">
+  <p:cSld>
+    <p:spTree>
+      <p:nvGrpSpPr>
+        <p:cNvPr id="1" name=""/>
+        <p:cNvGrpSpPr/>
+        <p:nvPr/>
+      </p:nvGrpSpPr>
+      <p:grpSpPr>
+        <a:xfrm>
+          <a:off x="0" y="0"/>
+          <a:ext cx="0" cy="0"/>
+          <a:chOff x="0" y="0"/>
+          <a:chExt cx="0" cy="0"/>
+        </a:xfrm>
+      </p:grpSpPr>
+      <p:sp>
+        <p:nvSpPr>
+          <p:cNvPr id="2" name="スライド イメージ プレースホルダー 1"/>
+          <p:cNvSpPr>
+            <a:spLocks noGrp="1" noRot="1" noChangeAspect="1"/>
+          </p:cNvSpPr>
+          <p:nvPr>
+            <p:ph type="sldImg"/>
+          </p:nvPr>
+        </p:nvSpPr>
+        <p:spPr/>
+      </p:sp>
+      <p:sp>
+        <p:nvSpPr>
+          <p:cNvPr id="3" name="ノート プレースホルダー 2"/>
+          <p:cNvSpPr>
+            <a:spLocks noGrp="1"/>
+          </p:cNvSpPr>
+          <p:nvPr>
+            <p:ph type="body" idx="1"/>
+          </p:nvPr>
+        </p:nvSpPr>
+        <p:spPr/>
+        <p:txBody>
+          <a:bodyPr/>
+          <a:lstStyle/>
+          <a:p>
+            <a:r>
+              <a:rPr kumimoji="1" lang="ja-JP" altLang="en-US" dirty="0"/>
+              <a:t>まとめとして，</a:t>
+            </a:r>
+            <a:r>
+              <a:rPr kumimoji="1" lang="en-US" altLang="ja-JP" dirty="0"/>
+              <a:t>Canny</a:t>
+            </a:r>
+            <a:r>
+              <a:rPr kumimoji="1" lang="ja-JP" altLang="en-US" dirty="0"/>
+              <a:t>法によるエッジ検出が有効だとわかりました</a:t>
+            </a:r>
+            <a:endParaRPr kumimoji="1" lang="en-US" altLang="ja-JP" dirty="0"/>
+          </a:p>
+          <a:p>
+            <a:r>
+              <a:rPr kumimoji="1" lang="ja-JP" altLang="en-US" dirty="0"/>
+              <a:t>分類手法として単純マッチングや</a:t>
+            </a:r>
+            <a:r>
+              <a:rPr kumimoji="1" lang="en-US" altLang="ja-JP" dirty="0" err="1"/>
+              <a:t>kNN</a:t>
+            </a:r>
+            <a:r>
+              <a:rPr kumimoji="1" lang="ja-JP" altLang="en-US" dirty="0"/>
+              <a:t>の方が精度が良かったのは，</a:t>
+            </a:r>
+            <a:endParaRPr kumimoji="1" lang="en-US" altLang="ja-JP" dirty="0"/>
+          </a:p>
+          <a:p>
+            <a:r>
+              <a:rPr kumimoji="1" lang="ja-JP" altLang="en-US" dirty="0"/>
+              <a:t>データ数が少ないことが考えられました．</a:t>
+            </a:r>
+            <a:endParaRPr kumimoji="1" lang="en-US" altLang="ja-JP" dirty="0"/>
+          </a:p>
+          <a:p>
+            <a:r>
+              <a:rPr kumimoji="1" lang="ja-JP" altLang="en-US" dirty="0"/>
+              <a:t>特徴量として</a:t>
+            </a:r>
+            <a:r>
+              <a:rPr kumimoji="1" lang="en-US" altLang="ja-JP" dirty="0"/>
+              <a:t>DCT</a:t>
+            </a:r>
+            <a:r>
+              <a:rPr kumimoji="1" lang="ja-JP" altLang="en-US" dirty="0"/>
+              <a:t>による特徴量が有効だとわかりました</a:t>
+            </a:r>
+            <a:endParaRPr kumimoji="1" lang="en-US" altLang="ja-JP" dirty="0"/>
+          </a:p>
+          <a:p>
+            <a:r>
+              <a:rPr kumimoji="1" lang="ja-JP" altLang="en-US" dirty="0"/>
+              <a:t>最終的に，正解率</a:t>
+            </a:r>
+            <a:r>
+              <a:rPr kumimoji="1" lang="en-US" altLang="ja-JP" dirty="0"/>
+              <a:t>82%</a:t>
+            </a:r>
+            <a:r>
+              <a:rPr kumimoji="1" lang="ja-JP" altLang="en-US" dirty="0" err="1"/>
+              <a:t>に到</a:t>
+            </a:r>
+            <a:r>
+              <a:rPr kumimoji="1" lang="ja-JP" altLang="en-US" dirty="0"/>
+              <a:t>達することができました</a:t>
+            </a:r>
+            <a:endParaRPr kumimoji="1" lang="en-US" altLang="ja-JP" dirty="0"/>
+          </a:p>
+          <a:p>
+            <a:endParaRPr kumimoji="1" lang="ja-JP" altLang="en-US" dirty="0"/>
+          </a:p>
+        </p:txBody>
+      </p:sp>
+      <p:sp>
+        <p:nvSpPr>
+          <p:cNvPr id="4" name="スライド番号プレースホルダー 3"/>
+          <p:cNvSpPr>
+            <a:spLocks noGrp="1"/>
+          </p:cNvSpPr>
+          <p:nvPr>
+            <p:ph type="sldNum" sz="quarter" idx="5"/>
+          </p:nvPr>
+        </p:nvSpPr>
+        <p:spPr/>
+        <p:txBody>
+          <a:bodyPr/>
+          <a:lstStyle/>
+          <a:p>
+            <a:fld id="{4A270F9C-5D17-4C12-AD78-18BABC3D1868}" type="slidenum">
+              <a:rPr kumimoji="1" lang="ja-JP" altLang="en-US" smtClean="0"/>
+              <a:t>13</a:t>
+            </a:fld>
+            <a:endParaRPr kumimoji="1" lang="ja-JP" altLang="en-US"/>
+          </a:p>
+        </p:txBody>
+      </p:sp>
+    </p:spTree>
+    <p:extLst>
+      <p:ext uri="{BB962C8B-B14F-4D97-AF65-F5344CB8AC3E}">
+        <p14:creationId xmlns:p14="http://schemas.microsoft.com/office/powerpoint/2010/main" val="1250666349"/>
+      </p:ext>
+    </p:extLst>
+  </p:cSld>
+  <p:clrMapOvr>
+    <a:masterClrMapping/>
+  </p:clrMapOvr>
+</p:notes>
+</file>
+
+<file path=ppt/notesSlides/notesSlide14.xml><?xml version="1.0" encoding="utf-8"?>
+<p:notes xmlns:a="http://schemas.openxmlformats.org/drawingml/2006/main" xmlns:r="http://schemas.openxmlformats.org/officeDocument/2006/relationships" xmlns:p="http://schemas.openxmlformats.org/presentationml/2006/main">
+  <p:cSld>
+    <p:spTree>
+      <p:nvGrpSpPr>
+        <p:cNvPr id="1" name=""/>
+        <p:cNvGrpSpPr/>
+        <p:nvPr/>
+      </p:nvGrpSpPr>
+      <p:grpSpPr>
+        <a:xfrm>
+          <a:off x="0" y="0"/>
+          <a:ext cx="0" cy="0"/>
+          <a:chOff x="0" y="0"/>
+          <a:chExt cx="0" cy="0"/>
+        </a:xfrm>
+      </p:grpSpPr>
+      <p:sp>
+        <p:nvSpPr>
+          <p:cNvPr id="2" name="スライド イメージ プレースホルダー 1"/>
+          <p:cNvSpPr>
+            <a:spLocks noGrp="1" noRot="1" noChangeAspect="1"/>
+          </p:cNvSpPr>
+          <p:nvPr>
+            <p:ph type="sldImg"/>
+          </p:nvPr>
+        </p:nvSpPr>
+        <p:spPr/>
+      </p:sp>
+      <p:sp>
+        <p:nvSpPr>
+          <p:cNvPr id="3" name="ノート プレースホルダー 2"/>
+          <p:cNvSpPr>
+            <a:spLocks noGrp="1"/>
+          </p:cNvSpPr>
+          <p:nvPr>
+            <p:ph type="body" idx="1"/>
+          </p:nvPr>
+        </p:nvSpPr>
+        <p:spPr/>
+        <p:txBody>
+          <a:bodyPr/>
+          <a:lstStyle/>
+          <a:p>
+            <a:r>
+              <a:rPr kumimoji="1" lang="ja-JP" altLang="en-US" dirty="0"/>
+              <a:t>ご清聴ありがとうございました</a:t>
+            </a:r>
+          </a:p>
+        </p:txBody>
+      </p:sp>
+      <p:sp>
+        <p:nvSpPr>
+          <p:cNvPr id="4" name="スライド番号プレースホルダー 3"/>
+          <p:cNvSpPr>
+            <a:spLocks noGrp="1"/>
+          </p:cNvSpPr>
+          <p:nvPr>
+            <p:ph type="sldNum" sz="quarter" idx="5"/>
+          </p:nvPr>
+        </p:nvSpPr>
+        <p:spPr/>
+        <p:txBody>
+          <a:bodyPr/>
+          <a:lstStyle/>
+          <a:p>
+            <a:fld id="{4A270F9C-5D17-4C12-AD78-18BABC3D1868}" type="slidenum">
+              <a:rPr kumimoji="1" lang="ja-JP" altLang="en-US" smtClean="0"/>
+              <a:t>14</a:t>
+            </a:fld>
+            <a:endParaRPr kumimoji="1" lang="ja-JP" altLang="en-US"/>
+          </a:p>
+        </p:txBody>
+      </p:sp>
+    </p:spTree>
+    <p:extLst>
+      <p:ext uri="{BB962C8B-B14F-4D97-AF65-F5344CB8AC3E}">
+        <p14:creationId xmlns:p14="http://schemas.microsoft.com/office/powerpoint/2010/main" val="1718837643"/>
       </p:ext>
     </p:extLst>
   </p:cSld>
@@ -637,6 +1336,13 @@
         <p:txBody>
           <a:bodyPr/>
           <a:lstStyle/>
+          <a:p>
+            <a:r>
+              <a:rPr kumimoji="1" lang="ja-JP" altLang="en-US" dirty="0"/>
+              <a:t>実験目的は，芸能人に・・・作成することです．</a:t>
+            </a:r>
+            <a:endParaRPr kumimoji="1" lang="en-US" altLang="ja-JP" dirty="0"/>
+          </a:p>
           <a:p>
             <a:endParaRPr kumimoji="1" lang="ja-JP" altLang="en-US" dirty="0"/>
           </a:p>
@@ -722,7 +1428,79 @@
           <a:bodyPr/>
           <a:lstStyle/>
           <a:p>
-            <a:endParaRPr kumimoji="1" lang="ja-JP" altLang="en-US" dirty="0"/>
+            <a:r>
+              <a:rPr kumimoji="1" lang="ja-JP" altLang="en-US" dirty="0"/>
+              <a:t>使用データセットですが，与えられたデータは</a:t>
+            </a:r>
+            <a:r>
+              <a:rPr kumimoji="1" lang="en-US" altLang="ja-JP" dirty="0"/>
+              <a:t>20</a:t>
+            </a:r>
+            <a:r>
+              <a:rPr kumimoji="1" lang="ja-JP" altLang="en-US" dirty="0"/>
+              <a:t>人の顔写真が</a:t>
+            </a:r>
+            <a:r>
+              <a:rPr kumimoji="1" lang="en-US" altLang="ja-JP" dirty="0"/>
+              <a:t>10</a:t>
+            </a:r>
+            <a:r>
+              <a:rPr kumimoji="1" lang="ja-JP" altLang="en-US" dirty="0"/>
+              <a:t>枚づつあり，</a:t>
+            </a:r>
+            <a:endParaRPr kumimoji="1" lang="en-US" altLang="ja-JP" dirty="0"/>
+          </a:p>
+          <a:p>
+            <a:r>
+              <a:rPr kumimoji="1" lang="ja-JP" altLang="en-US" dirty="0"/>
+              <a:t>検証用のクエリデータは</a:t>
+            </a:r>
+            <a:r>
+              <a:rPr kumimoji="1" lang="en-US" altLang="ja-JP" dirty="0"/>
+              <a:t>58</a:t>
+            </a:r>
+            <a:r>
+              <a:rPr kumimoji="1" lang="ja-JP" altLang="en-US" dirty="0"/>
+              <a:t>枚となっています．</a:t>
+            </a:r>
+            <a:endParaRPr kumimoji="1" lang="en-US" altLang="ja-JP" dirty="0"/>
+          </a:p>
+          <a:p>
+            <a:r>
+              <a:rPr kumimoji="1" lang="ja-JP" altLang="en-US" dirty="0"/>
+              <a:t>これは人によって枚数は異なり，</a:t>
+            </a:r>
+            <a:r>
+              <a:rPr kumimoji="1" lang="en-US" altLang="ja-JP" dirty="0"/>
+              <a:t>58</a:t>
+            </a:r>
+            <a:r>
+              <a:rPr kumimoji="1" lang="ja-JP" altLang="en-US" dirty="0"/>
+              <a:t>枚の内</a:t>
+            </a:r>
+            <a:r>
+              <a:rPr kumimoji="1" lang="en-US" altLang="ja-JP" dirty="0"/>
+              <a:t>2</a:t>
+            </a:r>
+            <a:r>
+              <a:rPr kumimoji="1" lang="ja-JP" altLang="en-US" dirty="0"/>
+              <a:t>枚は登録されていない人物です．</a:t>
+            </a:r>
+            <a:endParaRPr kumimoji="1" lang="en-US" altLang="ja-JP" dirty="0"/>
+          </a:p>
+          <a:p>
+            <a:r>
+              <a:rPr kumimoji="1" lang="ja-JP" altLang="en-US" dirty="0"/>
+              <a:t>認識精度は，正解数</a:t>
+            </a:r>
+            <a:r>
+              <a:rPr kumimoji="1" lang="en-US" altLang="ja-JP" dirty="0"/>
+              <a:t>÷</a:t>
+            </a:r>
+            <a:r>
+              <a:rPr kumimoji="1" lang="ja-JP" altLang="en-US" dirty="0"/>
+              <a:t>クエリ数で計算しました．</a:t>
+            </a:r>
           </a:p>
         </p:txBody>
       </p:sp>
@@ -806,7 +1584,17 @@
           <a:bodyPr/>
           <a:lstStyle/>
           <a:p>
-            <a:endParaRPr kumimoji="1" lang="ja-JP" altLang="en-US" dirty="0"/>
+            <a:r>
+              <a:rPr kumimoji="1" lang="ja-JP" altLang="en-US" dirty="0"/>
+              <a:t>データセットはこんな感じになっています．</a:t>
+            </a:r>
+            <a:endParaRPr kumimoji="1" lang="en-US" altLang="ja-JP" dirty="0"/>
+          </a:p>
+          <a:p>
+            <a:r>
+              <a:rPr kumimoji="1" lang="ja-JP" altLang="en-US" dirty="0"/>
+              <a:t>こちらが学習データで，こっちが検証用データです．</a:t>
+            </a:r>
           </a:p>
         </p:txBody>
       </p:sp>
@@ -817,7 +1605,7 @@
             <a:spLocks noGrp="1"/>
           </p:cNvSpPr>
           <p:nvPr>
-            <p:ph type="sldNum" sz="quarter" idx="10"/>
+            <p:ph type="sldNum" sz="quarter" idx="5"/>
           </p:nvPr>
         </p:nvSpPr>
         <p:spPr/>
@@ -827,7 +1615,7 @@
           <a:p>
             <a:fld id="{4A270F9C-5D17-4C12-AD78-18BABC3D1868}" type="slidenum">
               <a:rPr kumimoji="1" lang="ja-JP" altLang="en-US" smtClean="0"/>
-              <a:t>6</a:t>
+              <a:t>4</a:t>
             </a:fld>
             <a:endParaRPr kumimoji="1" lang="ja-JP" altLang="en-US"/>
           </a:p>
@@ -836,7 +1624,7 @@
     </p:spTree>
     <p:extLst>
       <p:ext uri="{BB962C8B-B14F-4D97-AF65-F5344CB8AC3E}">
-        <p14:creationId xmlns:p14="http://schemas.microsoft.com/office/powerpoint/2010/main" val="1530640712"/>
+        <p14:creationId xmlns:p14="http://schemas.microsoft.com/office/powerpoint/2010/main" val="189583812"/>
       </p:ext>
     </p:extLst>
   </p:cSld>
@@ -890,7 +1678,281 @@
           <a:bodyPr/>
           <a:lstStyle/>
           <a:p>
-            <a:endParaRPr kumimoji="1" lang="ja-JP" altLang="en-US" dirty="0"/>
+            <a:r>
+              <a:rPr kumimoji="1" lang="ja-JP" altLang="en-US" dirty="0"/>
+              <a:t>システムの全体像はこのようになっています．</a:t>
+            </a:r>
+            <a:endParaRPr kumimoji="1" lang="en-US" altLang="ja-JP" dirty="0"/>
+          </a:p>
+          <a:p>
+            <a:r>
+              <a:rPr kumimoji="1" lang="ja-JP" altLang="en-US" dirty="0"/>
+              <a:t>前処理部で，顔のトリミングなどをして，</a:t>
+            </a:r>
+            <a:endParaRPr kumimoji="1" lang="en-US" altLang="ja-JP" dirty="0"/>
+          </a:p>
+          <a:p>
+            <a:r>
+              <a:rPr kumimoji="1" lang="ja-JP" altLang="en-US" dirty="0"/>
+              <a:t>特徴抽出部で顔の部位検出などを行います．</a:t>
+            </a:r>
+            <a:endParaRPr kumimoji="1" lang="en-US" altLang="ja-JP" dirty="0"/>
+          </a:p>
+          <a:p>
+            <a:r>
+              <a:rPr kumimoji="1" lang="ja-JP" altLang="en-US" dirty="0"/>
+              <a:t>識別部で単純マッチングなどの手法を使用して，</a:t>
+            </a:r>
+            <a:endParaRPr kumimoji="1" lang="en-US" altLang="ja-JP" dirty="0"/>
+          </a:p>
+          <a:p>
+            <a:r>
+              <a:rPr kumimoji="1" lang="ja-JP" altLang="en-US" dirty="0"/>
+              <a:t>分類を行い，後処理部で出力します．</a:t>
+            </a:r>
+          </a:p>
+        </p:txBody>
+      </p:sp>
+      <p:sp>
+        <p:nvSpPr>
+          <p:cNvPr id="4" name="スライド番号プレースホルダー 3"/>
+          <p:cNvSpPr>
+            <a:spLocks noGrp="1"/>
+          </p:cNvSpPr>
+          <p:nvPr>
+            <p:ph type="sldNum" sz="quarter" idx="5"/>
+          </p:nvPr>
+        </p:nvSpPr>
+        <p:spPr/>
+        <p:txBody>
+          <a:bodyPr/>
+          <a:lstStyle/>
+          <a:p>
+            <a:fld id="{4A270F9C-5D17-4C12-AD78-18BABC3D1868}" type="slidenum">
+              <a:rPr kumimoji="1" lang="ja-JP" altLang="en-US" smtClean="0"/>
+              <a:t>5</a:t>
+            </a:fld>
+            <a:endParaRPr kumimoji="1" lang="ja-JP" altLang="en-US"/>
+          </a:p>
+        </p:txBody>
+      </p:sp>
+    </p:spTree>
+    <p:extLst>
+      <p:ext uri="{BB962C8B-B14F-4D97-AF65-F5344CB8AC3E}">
+        <p14:creationId xmlns:p14="http://schemas.microsoft.com/office/powerpoint/2010/main" val="3946364154"/>
+      </p:ext>
+    </p:extLst>
+  </p:cSld>
+  <p:clrMapOvr>
+    <a:masterClrMapping/>
+  </p:clrMapOvr>
+</p:notes>
+</file>
+
+<file path=ppt/notesSlides/notesSlide6.xml><?xml version="1.0" encoding="utf-8"?>
+<p:notes xmlns:a="http://schemas.openxmlformats.org/drawingml/2006/main" xmlns:r="http://schemas.openxmlformats.org/officeDocument/2006/relationships" xmlns:p="http://schemas.openxmlformats.org/presentationml/2006/main">
+  <p:cSld>
+    <p:spTree>
+      <p:nvGrpSpPr>
+        <p:cNvPr id="1" name=""/>
+        <p:cNvGrpSpPr/>
+        <p:nvPr/>
+      </p:nvGrpSpPr>
+      <p:grpSpPr>
+        <a:xfrm>
+          <a:off x="0" y="0"/>
+          <a:ext cx="0" cy="0"/>
+          <a:chOff x="0" y="0"/>
+          <a:chExt cx="0" cy="0"/>
+        </a:xfrm>
+      </p:grpSpPr>
+      <p:sp>
+        <p:nvSpPr>
+          <p:cNvPr id="2" name="スライド イメージ プレースホルダー 1"/>
+          <p:cNvSpPr>
+            <a:spLocks noGrp="1" noRot="1" noChangeAspect="1"/>
+          </p:cNvSpPr>
+          <p:nvPr>
+            <p:ph type="sldImg"/>
+          </p:nvPr>
+        </p:nvSpPr>
+        <p:spPr/>
+      </p:sp>
+      <p:sp>
+        <p:nvSpPr>
+          <p:cNvPr id="3" name="ノート プレースホルダー 2"/>
+          <p:cNvSpPr>
+            <a:spLocks noGrp="1"/>
+          </p:cNvSpPr>
+          <p:nvPr>
+            <p:ph type="body" idx="1"/>
+          </p:nvPr>
+        </p:nvSpPr>
+        <p:spPr/>
+        <p:txBody>
+          <a:bodyPr/>
+          <a:lstStyle/>
+          <a:p>
+            <a:r>
+              <a:rPr kumimoji="1" lang="ja-JP" altLang="en-US" dirty="0"/>
+              <a:t>班の方針として，</a:t>
+            </a:r>
+            <a:r>
+              <a:rPr kumimoji="1" lang="en-US" altLang="ja-JP" dirty="0" err="1"/>
+              <a:t>Matlab</a:t>
+            </a:r>
+            <a:r>
+              <a:rPr kumimoji="1" lang="ja-JP" altLang="en-US" dirty="0"/>
+              <a:t>と画像処理系のライブラリが豊富な</a:t>
+            </a:r>
+            <a:r>
+              <a:rPr kumimoji="1" lang="en-US" altLang="ja-JP" dirty="0"/>
+              <a:t>Python</a:t>
+            </a:r>
+            <a:r>
+              <a:rPr kumimoji="1" lang="ja-JP" altLang="en-US" dirty="0"/>
+              <a:t>を使用することにしました</a:t>
+            </a:r>
+            <a:endParaRPr kumimoji="1" lang="en-US" altLang="ja-JP" dirty="0"/>
+          </a:p>
+          <a:p>
+            <a:r>
+              <a:rPr kumimoji="1" lang="ja-JP" altLang="en-US" dirty="0"/>
+              <a:t>外部データは使用しない方針にしました</a:t>
+            </a:r>
+            <a:endParaRPr kumimoji="1" lang="en-US" altLang="ja-JP" dirty="0"/>
+          </a:p>
+          <a:p>
+            <a:r>
+              <a:rPr kumimoji="1" lang="ja-JP" altLang="en-US" dirty="0"/>
+              <a:t>また最終的には</a:t>
+            </a:r>
+            <a:r>
+              <a:rPr kumimoji="1" lang="en-US" altLang="ja-JP" dirty="0"/>
+              <a:t>GUI</a:t>
+            </a:r>
+            <a:r>
+              <a:rPr kumimoji="1" lang="ja-JP" altLang="en-US" dirty="0"/>
+              <a:t>を使い，操作できるようにすることにしました</a:t>
+            </a:r>
+            <a:endParaRPr kumimoji="1" lang="en-US" altLang="ja-JP" dirty="0"/>
+          </a:p>
+        </p:txBody>
+      </p:sp>
+      <p:sp>
+        <p:nvSpPr>
+          <p:cNvPr id="4" name="スライド番号プレースホルダー 3"/>
+          <p:cNvSpPr>
+            <a:spLocks noGrp="1"/>
+          </p:cNvSpPr>
+          <p:nvPr>
+            <p:ph type="sldNum" sz="quarter" idx="10"/>
+          </p:nvPr>
+        </p:nvSpPr>
+        <p:spPr/>
+        <p:txBody>
+          <a:bodyPr/>
+          <a:lstStyle/>
+          <a:p>
+            <a:fld id="{4A270F9C-5D17-4C12-AD78-18BABC3D1868}" type="slidenum">
+              <a:rPr kumimoji="1" lang="ja-JP" altLang="en-US" smtClean="0"/>
+              <a:t>6</a:t>
+            </a:fld>
+            <a:endParaRPr kumimoji="1" lang="ja-JP" altLang="en-US"/>
+          </a:p>
+        </p:txBody>
+      </p:sp>
+    </p:spTree>
+    <p:extLst>
+      <p:ext uri="{BB962C8B-B14F-4D97-AF65-F5344CB8AC3E}">
+        <p14:creationId xmlns:p14="http://schemas.microsoft.com/office/powerpoint/2010/main" val="1530640712"/>
+      </p:ext>
+    </p:extLst>
+  </p:cSld>
+  <p:clrMapOvr>
+    <a:masterClrMapping/>
+  </p:clrMapOvr>
+</p:notes>
+</file>
+
+<file path=ppt/notesSlides/notesSlide7.xml><?xml version="1.0" encoding="utf-8"?>
+<p:notes xmlns:a="http://schemas.openxmlformats.org/drawingml/2006/main" xmlns:r="http://schemas.openxmlformats.org/officeDocument/2006/relationships" xmlns:p="http://schemas.openxmlformats.org/presentationml/2006/main">
+  <p:cSld>
+    <p:spTree>
+      <p:nvGrpSpPr>
+        <p:cNvPr id="1" name=""/>
+        <p:cNvGrpSpPr/>
+        <p:nvPr/>
+      </p:nvGrpSpPr>
+      <p:grpSpPr>
+        <a:xfrm>
+          <a:off x="0" y="0"/>
+          <a:ext cx="0" cy="0"/>
+          <a:chOff x="0" y="0"/>
+          <a:chExt cx="0" cy="0"/>
+        </a:xfrm>
+      </p:grpSpPr>
+      <p:sp>
+        <p:nvSpPr>
+          <p:cNvPr id="2" name="スライド イメージ プレースホルダー 1"/>
+          <p:cNvSpPr>
+            <a:spLocks noGrp="1" noRot="1" noChangeAspect="1"/>
+          </p:cNvSpPr>
+          <p:nvPr>
+            <p:ph type="sldImg"/>
+          </p:nvPr>
+        </p:nvSpPr>
+        <p:spPr/>
+      </p:sp>
+      <p:sp>
+        <p:nvSpPr>
+          <p:cNvPr id="3" name="ノート プレースホルダー 2"/>
+          <p:cNvSpPr>
+            <a:spLocks noGrp="1"/>
+          </p:cNvSpPr>
+          <p:nvPr>
+            <p:ph type="body" idx="1"/>
+          </p:nvPr>
+        </p:nvSpPr>
+        <p:spPr/>
+        <p:txBody>
+          <a:bodyPr/>
+          <a:lstStyle/>
+          <a:p>
+            <a:r>
+              <a:rPr kumimoji="1" lang="ja-JP" altLang="en-US" dirty="0"/>
+              <a:t>前処理部の顔のトリミングでは</a:t>
+            </a:r>
+            <a:r>
+              <a:rPr kumimoji="1" lang="en-US" altLang="ja-JP" dirty="0"/>
+              <a:t>OpenCV</a:t>
+            </a:r>
+            <a:r>
+              <a:rPr kumimoji="1" lang="ja-JP" altLang="en-US" dirty="0"/>
+              <a:t>で顔を切りだしました</a:t>
+            </a:r>
+            <a:endParaRPr kumimoji="1" lang="en-US" altLang="ja-JP" dirty="0"/>
+          </a:p>
+          <a:p>
+            <a:r>
+              <a:rPr kumimoji="1" lang="ja-JP" altLang="en-US" dirty="0"/>
+              <a:t>これは検出領域の明暗差により特徴を捉えるアルゴリズムを使っています</a:t>
+            </a:r>
+            <a:endParaRPr kumimoji="1" lang="en-US" altLang="ja-JP" dirty="0"/>
+          </a:p>
+          <a:p>
+            <a:r>
+              <a:rPr kumimoji="1" lang="ja-JP" altLang="en-US" dirty="0"/>
+              <a:t>また，</a:t>
+            </a:r>
+            <a:r>
+              <a:rPr kumimoji="1" lang="en-US" altLang="ja-JP" dirty="0" err="1"/>
+              <a:t>Dlib</a:t>
+            </a:r>
+            <a:r>
+              <a:rPr kumimoji="1" lang="ja-JP" altLang="en-US" dirty="0"/>
+              <a:t>で顔の部位の座標を求め，特徴量に使えるようにしました</a:t>
+            </a:r>
           </a:p>
         </p:txBody>
       </p:sp>
@@ -921,6 +1983,261 @@
     <p:extLst>
       <p:ext uri="{BB962C8B-B14F-4D97-AF65-F5344CB8AC3E}">
         <p14:creationId xmlns:p14="http://schemas.microsoft.com/office/powerpoint/2010/main" val="3439623714"/>
+      </p:ext>
+    </p:extLst>
+  </p:cSld>
+  <p:clrMapOvr>
+    <a:masterClrMapping/>
+  </p:clrMapOvr>
+</p:notes>
+</file>
+
+<file path=ppt/notesSlides/notesSlide8.xml><?xml version="1.0" encoding="utf-8"?>
+<p:notes xmlns:a="http://schemas.openxmlformats.org/drawingml/2006/main" xmlns:r="http://schemas.openxmlformats.org/officeDocument/2006/relationships" xmlns:p="http://schemas.openxmlformats.org/presentationml/2006/main">
+  <p:cSld>
+    <p:spTree>
+      <p:nvGrpSpPr>
+        <p:cNvPr id="1" name=""/>
+        <p:cNvGrpSpPr/>
+        <p:nvPr/>
+      </p:nvGrpSpPr>
+      <p:grpSpPr>
+        <a:xfrm>
+          <a:off x="0" y="0"/>
+          <a:ext cx="0" cy="0"/>
+          <a:chOff x="0" y="0"/>
+          <a:chExt cx="0" cy="0"/>
+        </a:xfrm>
+      </p:grpSpPr>
+      <p:sp>
+        <p:nvSpPr>
+          <p:cNvPr id="2" name="スライド イメージ プレースホルダー 1"/>
+          <p:cNvSpPr>
+            <a:spLocks noGrp="1" noRot="1" noChangeAspect="1"/>
+          </p:cNvSpPr>
+          <p:nvPr>
+            <p:ph type="sldImg"/>
+          </p:nvPr>
+        </p:nvSpPr>
+        <p:spPr/>
+      </p:sp>
+      <p:sp>
+        <p:nvSpPr>
+          <p:cNvPr id="3" name="ノート プレースホルダー 2"/>
+          <p:cNvSpPr>
+            <a:spLocks noGrp="1"/>
+          </p:cNvSpPr>
+          <p:nvPr>
+            <p:ph type="body" idx="1"/>
+          </p:nvPr>
+        </p:nvSpPr>
+        <p:spPr/>
+        <p:txBody>
+          <a:bodyPr/>
+          <a:lstStyle/>
+          <a:p>
+            <a:r>
+              <a:rPr kumimoji="1" lang="ja-JP" altLang="en-US" dirty="0"/>
+              <a:t>前処理部の正規化ですが，ひとによって切り出した画像サイズが違うので，</a:t>
+            </a:r>
+            <a:endParaRPr kumimoji="1" lang="en-US" altLang="ja-JP" dirty="0"/>
+          </a:p>
+          <a:p>
+            <a:r>
+              <a:rPr kumimoji="1" lang="ja-JP" altLang="en-US" dirty="0"/>
+              <a:t>画像サイズを統一しました．</a:t>
+            </a:r>
+            <a:endParaRPr kumimoji="1" lang="en-US" altLang="ja-JP" dirty="0"/>
+          </a:p>
+          <a:p>
+            <a:r>
+              <a:rPr kumimoji="1" lang="ja-JP" altLang="en-US" dirty="0"/>
+              <a:t>また画像によって全体的に暗いものや，明るいものがあったので，</a:t>
+            </a:r>
+            <a:endParaRPr kumimoji="1" lang="en-US" altLang="ja-JP" dirty="0"/>
+          </a:p>
+          <a:p>
+            <a:r>
+              <a:rPr kumimoji="1" lang="ja-JP" altLang="en-US" dirty="0"/>
+              <a:t>画素値のヒストグラムを平坦化しました．</a:t>
+            </a:r>
+          </a:p>
+        </p:txBody>
+      </p:sp>
+      <p:sp>
+        <p:nvSpPr>
+          <p:cNvPr id="4" name="スライド番号プレースホルダー 3"/>
+          <p:cNvSpPr>
+            <a:spLocks noGrp="1"/>
+          </p:cNvSpPr>
+          <p:nvPr>
+            <p:ph type="sldNum" sz="quarter" idx="5"/>
+          </p:nvPr>
+        </p:nvSpPr>
+        <p:spPr/>
+        <p:txBody>
+          <a:bodyPr/>
+          <a:lstStyle/>
+          <a:p>
+            <a:fld id="{4A270F9C-5D17-4C12-AD78-18BABC3D1868}" type="slidenum">
+              <a:rPr kumimoji="1" lang="ja-JP" altLang="en-US" smtClean="0"/>
+              <a:t>8</a:t>
+            </a:fld>
+            <a:endParaRPr kumimoji="1" lang="ja-JP" altLang="en-US"/>
+          </a:p>
+        </p:txBody>
+      </p:sp>
+    </p:spTree>
+    <p:extLst>
+      <p:ext uri="{BB962C8B-B14F-4D97-AF65-F5344CB8AC3E}">
+        <p14:creationId xmlns:p14="http://schemas.microsoft.com/office/powerpoint/2010/main" val="646740655"/>
+      </p:ext>
+    </p:extLst>
+  </p:cSld>
+  <p:clrMapOvr>
+    <a:masterClrMapping/>
+  </p:clrMapOvr>
+</p:notes>
+</file>
+
+<file path=ppt/notesSlides/notesSlide9.xml><?xml version="1.0" encoding="utf-8"?>
+<p:notes xmlns:a="http://schemas.openxmlformats.org/drawingml/2006/main" xmlns:r="http://schemas.openxmlformats.org/officeDocument/2006/relationships" xmlns:p="http://schemas.openxmlformats.org/presentationml/2006/main">
+  <p:cSld>
+    <p:spTree>
+      <p:nvGrpSpPr>
+        <p:cNvPr id="1" name=""/>
+        <p:cNvGrpSpPr/>
+        <p:nvPr/>
+      </p:nvGrpSpPr>
+      <p:grpSpPr>
+        <a:xfrm>
+          <a:off x="0" y="0"/>
+          <a:ext cx="0" cy="0"/>
+          <a:chOff x="0" y="0"/>
+          <a:chExt cx="0" cy="0"/>
+        </a:xfrm>
+      </p:grpSpPr>
+      <p:sp>
+        <p:nvSpPr>
+          <p:cNvPr id="2" name="スライド イメージ プレースホルダー 1"/>
+          <p:cNvSpPr>
+            <a:spLocks noGrp="1" noRot="1" noChangeAspect="1"/>
+          </p:cNvSpPr>
+          <p:nvPr>
+            <p:ph type="sldImg"/>
+          </p:nvPr>
+        </p:nvSpPr>
+        <p:spPr/>
+      </p:sp>
+      <p:sp>
+        <p:nvSpPr>
+          <p:cNvPr id="3" name="ノート プレースホルダー 2"/>
+          <p:cNvSpPr>
+            <a:spLocks noGrp="1"/>
+          </p:cNvSpPr>
+          <p:nvPr>
+            <p:ph type="body" idx="1"/>
+          </p:nvPr>
+        </p:nvSpPr>
+        <p:spPr/>
+        <p:txBody>
+          <a:bodyPr/>
+          <a:lstStyle/>
+          <a:p>
+            <a:r>
+              <a:rPr kumimoji="1" lang="ja-JP" altLang="en-US" dirty="0"/>
+              <a:t>今回，抽出した特徴量は，</a:t>
+            </a:r>
+            <a:endParaRPr kumimoji="1" lang="en-US" altLang="ja-JP" dirty="0"/>
+          </a:p>
+          <a:p>
+            <a:r>
+              <a:rPr kumimoji="1" lang="ja-JP" altLang="en-US" dirty="0"/>
+              <a:t>顔の各部位の大きさと位置や，</a:t>
+            </a:r>
+            <a:endParaRPr kumimoji="1" lang="en-US" altLang="ja-JP" dirty="0"/>
+          </a:p>
+          <a:p>
+            <a:r>
+              <a:rPr kumimoji="1" lang="en-US" altLang="ja-JP" dirty="0"/>
+              <a:t>DCT</a:t>
+            </a:r>
+            <a:r>
+              <a:rPr kumimoji="1" lang="ja-JP" altLang="en-US" dirty="0"/>
+              <a:t>変換による特徴量や</a:t>
+            </a:r>
+            <a:endParaRPr kumimoji="1" lang="en-US" altLang="ja-JP" dirty="0"/>
+          </a:p>
+          <a:p>
+            <a:r>
+              <a:rPr kumimoji="1" lang="en-US" altLang="ja-JP" dirty="0"/>
+              <a:t>HOG</a:t>
+            </a:r>
+            <a:r>
+              <a:rPr kumimoji="1" lang="ja-JP" altLang="en-US" dirty="0"/>
+              <a:t>特徴量を使用しました</a:t>
+            </a:r>
+            <a:endParaRPr kumimoji="1" lang="en-US" altLang="ja-JP" dirty="0"/>
+          </a:p>
+          <a:p>
+            <a:r>
+              <a:rPr kumimoji="1" lang="ja-JP" altLang="en-US" dirty="0"/>
+              <a:t>こちらがわかりづらいですが</a:t>
+            </a:r>
+            <a:r>
+              <a:rPr kumimoji="1" lang="en-US" altLang="ja-JP" dirty="0"/>
+              <a:t>DCT</a:t>
+            </a:r>
+            <a:r>
+              <a:rPr kumimoji="1" lang="ja-JP" altLang="en-US" dirty="0"/>
+              <a:t>変換後の例で，</a:t>
+            </a:r>
+            <a:endParaRPr kumimoji="1" lang="en-US" altLang="ja-JP" dirty="0"/>
+          </a:p>
+          <a:p>
+            <a:r>
+              <a:rPr kumimoji="1" lang="ja-JP" altLang="en-US" dirty="0"/>
+              <a:t>こっちが，この画像の</a:t>
+            </a:r>
+            <a:r>
+              <a:rPr kumimoji="1" lang="en-US" altLang="ja-JP" dirty="0"/>
+              <a:t>HOG</a:t>
+            </a:r>
+            <a:r>
+              <a:rPr kumimoji="1" lang="ja-JP" altLang="en-US" dirty="0"/>
+              <a:t>特徴量を表示した例です．</a:t>
+            </a:r>
+            <a:endParaRPr kumimoji="1" lang="en-US" altLang="ja-JP" dirty="0"/>
+          </a:p>
+        </p:txBody>
+      </p:sp>
+      <p:sp>
+        <p:nvSpPr>
+          <p:cNvPr id="4" name="スライド番号プレースホルダー 3"/>
+          <p:cNvSpPr>
+            <a:spLocks noGrp="1"/>
+          </p:cNvSpPr>
+          <p:nvPr>
+            <p:ph type="sldNum" sz="quarter" idx="5"/>
+          </p:nvPr>
+        </p:nvSpPr>
+        <p:spPr/>
+        <p:txBody>
+          <a:bodyPr/>
+          <a:lstStyle/>
+          <a:p>
+            <a:fld id="{4A270F9C-5D17-4C12-AD78-18BABC3D1868}" type="slidenum">
+              <a:rPr kumimoji="1" lang="ja-JP" altLang="en-US" smtClean="0"/>
+              <a:t>9</a:t>
+            </a:fld>
+            <a:endParaRPr kumimoji="1" lang="ja-JP" altLang="en-US"/>
+          </a:p>
+        </p:txBody>
+      </p:sp>
+    </p:spTree>
+    <p:extLst>
+      <p:ext uri="{BB962C8B-B14F-4D97-AF65-F5344CB8AC3E}">
+        <p14:creationId xmlns:p14="http://schemas.microsoft.com/office/powerpoint/2010/main" val="3952281967"/>
       </p:ext>
     </p:extLst>
   </p:cSld>
@@ -1083,7 +2400,7 @@
           <a:p>
             <a:fld id="{E7D511BB-4569-984B-89A7-0CAB83200160}" type="datetimeFigureOut">
               <a:rPr kumimoji="1" lang="ja-JP" altLang="en-US" smtClean="0"/>
-              <a:t>2019/1/23</a:t>
+              <a:t>2019/1/24</a:t>
             </a:fld>
             <a:endParaRPr kumimoji="1" lang="ja-JP" altLang="en-US"/>
           </a:p>
@@ -1288,7 +2605,7 @@
           <a:p>
             <a:fld id="{E7D511BB-4569-984B-89A7-0CAB83200160}" type="datetimeFigureOut">
               <a:rPr kumimoji="1" lang="ja-JP" altLang="en-US" smtClean="0"/>
-              <a:t>2019/1/23</a:t>
+              <a:t>2019/1/24</a:t>
             </a:fld>
             <a:endParaRPr kumimoji="1" lang="ja-JP" altLang="en-US"/>
           </a:p>
@@ -1503,7 +2820,7 @@
           <a:p>
             <a:fld id="{E7D511BB-4569-984B-89A7-0CAB83200160}" type="datetimeFigureOut">
               <a:rPr kumimoji="1" lang="ja-JP" altLang="en-US" smtClean="0"/>
-              <a:t>2019/1/23</a:t>
+              <a:t>2019/1/24</a:t>
             </a:fld>
             <a:endParaRPr kumimoji="1" lang="ja-JP" altLang="en-US"/>
           </a:p>
@@ -1723,7 +3040,7 @@
           <a:p>
             <a:fld id="{33261070-0EEB-F446-BBEF-DA4E29C9CA29}" type="datetimeFigureOut">
               <a:rPr kumimoji="1" lang="ja-JP" altLang="en-US" smtClean="0"/>
-              <a:t>2019/1/23</a:t>
+              <a:t>2019/1/24</a:t>
             </a:fld>
             <a:endParaRPr kumimoji="1" lang="ja-JP" altLang="en-US"/>
           </a:p>
@@ -1928,7 +3245,7 @@
           <a:p>
             <a:fld id="{33261070-0EEB-F446-BBEF-DA4E29C9CA29}" type="datetimeFigureOut">
               <a:rPr kumimoji="1" lang="ja-JP" altLang="en-US" smtClean="0"/>
-              <a:t>2019/1/23</a:t>
+              <a:t>2019/1/24</a:t>
             </a:fld>
             <a:endParaRPr kumimoji="1" lang="ja-JP" altLang="en-US"/>
           </a:p>
@@ -2238,7 +3555,7 @@
           <a:p>
             <a:fld id="{33261070-0EEB-F446-BBEF-DA4E29C9CA29}" type="datetimeFigureOut">
               <a:rPr kumimoji="1" lang="ja-JP" altLang="en-US" smtClean="0"/>
-              <a:t>2019/1/23</a:t>
+              <a:t>2019/1/24</a:t>
             </a:fld>
             <a:endParaRPr kumimoji="1" lang="ja-JP" altLang="en-US"/>
           </a:p>
@@ -2517,7 +3834,7 @@
           <a:p>
             <a:fld id="{33261070-0EEB-F446-BBEF-DA4E29C9CA29}" type="datetimeFigureOut">
               <a:rPr kumimoji="1" lang="ja-JP" altLang="en-US" smtClean="0"/>
-              <a:t>2019/1/23</a:t>
+              <a:t>2019/1/24</a:t>
             </a:fld>
             <a:endParaRPr kumimoji="1" lang="ja-JP" altLang="en-US"/>
           </a:p>
@@ -3013,7 +4330,7 @@
           <a:p>
             <a:fld id="{33261070-0EEB-F446-BBEF-DA4E29C9CA29}" type="datetimeFigureOut">
               <a:rPr kumimoji="1" lang="ja-JP" altLang="en-US" smtClean="0"/>
-              <a:t>2019/1/23</a:t>
+              <a:t>2019/1/24</a:t>
             </a:fld>
             <a:endParaRPr kumimoji="1" lang="ja-JP" altLang="en-US"/>
           </a:p>
@@ -3154,7 +4471,7 @@
           <a:p>
             <a:fld id="{33261070-0EEB-F446-BBEF-DA4E29C9CA29}" type="datetimeFigureOut">
               <a:rPr kumimoji="1" lang="ja-JP" altLang="en-US" smtClean="0"/>
-              <a:t>2019/1/23</a:t>
+              <a:t>2019/1/24</a:t>
             </a:fld>
             <a:endParaRPr kumimoji="1" lang="ja-JP" altLang="en-US"/>
           </a:p>
@@ -3267,7 +4584,7 @@
           <a:p>
             <a:fld id="{33261070-0EEB-F446-BBEF-DA4E29C9CA29}" type="datetimeFigureOut">
               <a:rPr kumimoji="1" lang="ja-JP" altLang="en-US" smtClean="0"/>
-              <a:t>2019/1/23</a:t>
+              <a:t>2019/1/24</a:t>
             </a:fld>
             <a:endParaRPr kumimoji="1" lang="ja-JP" altLang="en-US"/>
           </a:p>
@@ -3620,7 +4937,7 @@
           <a:p>
             <a:fld id="{33261070-0EEB-F446-BBEF-DA4E29C9CA29}" type="datetimeFigureOut">
               <a:rPr kumimoji="1" lang="ja-JP" altLang="en-US" smtClean="0"/>
-              <a:t>2019/1/23</a:t>
+              <a:t>2019/1/24</a:t>
             </a:fld>
             <a:endParaRPr kumimoji="1" lang="ja-JP" altLang="en-US"/>
           </a:p>
@@ -3825,7 +5142,7 @@
           <a:p>
             <a:fld id="{E7D511BB-4569-984B-89A7-0CAB83200160}" type="datetimeFigureOut">
               <a:rPr kumimoji="1" lang="ja-JP" altLang="en-US" smtClean="0"/>
-              <a:t>2019/1/23</a:t>
+              <a:t>2019/1/24</a:t>
             </a:fld>
             <a:endParaRPr kumimoji="1" lang="ja-JP" altLang="en-US"/>
           </a:p>
@@ -4148,7 +5465,7 @@
           <a:p>
             <a:fld id="{33261070-0EEB-F446-BBEF-DA4E29C9CA29}" type="datetimeFigureOut">
               <a:rPr kumimoji="1" lang="ja-JP" altLang="en-US" smtClean="0"/>
-              <a:t>2019/1/23</a:t>
+              <a:t>2019/1/24</a:t>
             </a:fld>
             <a:endParaRPr kumimoji="1" lang="ja-JP" altLang="en-US"/>
           </a:p>
@@ -4353,7 +5670,7 @@
           <a:p>
             <a:fld id="{33261070-0EEB-F446-BBEF-DA4E29C9CA29}" type="datetimeFigureOut">
               <a:rPr kumimoji="1" lang="ja-JP" altLang="en-US" smtClean="0"/>
-              <a:t>2019/1/23</a:t>
+              <a:t>2019/1/24</a:t>
             </a:fld>
             <a:endParaRPr kumimoji="1" lang="ja-JP" altLang="en-US"/>
           </a:p>
@@ -4568,7 +5885,7 @@
           <a:p>
             <a:fld id="{33261070-0EEB-F446-BBEF-DA4E29C9CA29}" type="datetimeFigureOut">
               <a:rPr kumimoji="1" lang="ja-JP" altLang="en-US" smtClean="0"/>
-              <a:t>2019/1/23</a:t>
+              <a:t>2019/1/24</a:t>
             </a:fld>
             <a:endParaRPr kumimoji="1" lang="ja-JP" altLang="en-US"/>
           </a:p>
@@ -4878,7 +6195,7 @@
           <a:p>
             <a:fld id="{E7D511BB-4569-984B-89A7-0CAB83200160}" type="datetimeFigureOut">
               <a:rPr kumimoji="1" lang="ja-JP" altLang="en-US" smtClean="0"/>
-              <a:t>2019/1/23</a:t>
+              <a:t>2019/1/24</a:t>
             </a:fld>
             <a:endParaRPr kumimoji="1" lang="ja-JP" altLang="en-US"/>
           </a:p>
@@ -5157,7 +6474,7 @@
           <a:p>
             <a:fld id="{E7D511BB-4569-984B-89A7-0CAB83200160}" type="datetimeFigureOut">
               <a:rPr kumimoji="1" lang="ja-JP" altLang="en-US" smtClean="0"/>
-              <a:t>2019/1/23</a:t>
+              <a:t>2019/1/24</a:t>
             </a:fld>
             <a:endParaRPr kumimoji="1" lang="ja-JP" altLang="en-US"/>
           </a:p>
@@ -5653,7 +6970,7 @@
           <a:p>
             <a:fld id="{E7D511BB-4569-984B-89A7-0CAB83200160}" type="datetimeFigureOut">
               <a:rPr kumimoji="1" lang="ja-JP" altLang="en-US" smtClean="0"/>
-              <a:t>2019/1/23</a:t>
+              <a:t>2019/1/24</a:t>
             </a:fld>
             <a:endParaRPr kumimoji="1" lang="ja-JP" altLang="en-US"/>
           </a:p>
@@ -5794,7 +7111,7 @@
           <a:p>
             <a:fld id="{E7D511BB-4569-984B-89A7-0CAB83200160}" type="datetimeFigureOut">
               <a:rPr kumimoji="1" lang="ja-JP" altLang="en-US" smtClean="0"/>
-              <a:t>2019/1/23</a:t>
+              <a:t>2019/1/24</a:t>
             </a:fld>
             <a:endParaRPr kumimoji="1" lang="ja-JP" altLang="en-US"/>
           </a:p>
@@ -5907,7 +7224,7 @@
           <a:p>
             <a:fld id="{E7D511BB-4569-984B-89A7-0CAB83200160}" type="datetimeFigureOut">
               <a:rPr kumimoji="1" lang="ja-JP" altLang="en-US" smtClean="0"/>
-              <a:t>2019/1/23</a:t>
+              <a:t>2019/1/24</a:t>
             </a:fld>
             <a:endParaRPr kumimoji="1" lang="ja-JP" altLang="en-US"/>
           </a:p>
@@ -6260,7 +7577,7 @@
           <a:p>
             <a:fld id="{E7D511BB-4569-984B-89A7-0CAB83200160}" type="datetimeFigureOut">
               <a:rPr kumimoji="1" lang="ja-JP" altLang="en-US" smtClean="0"/>
-              <a:t>2019/1/23</a:t>
+              <a:t>2019/1/24</a:t>
             </a:fld>
             <a:endParaRPr kumimoji="1" lang="ja-JP" altLang="en-US"/>
           </a:p>
@@ -6583,7 +7900,7 @@
           <a:p>
             <a:fld id="{E7D511BB-4569-984B-89A7-0CAB83200160}" type="datetimeFigureOut">
               <a:rPr kumimoji="1" lang="ja-JP" altLang="en-US" smtClean="0"/>
-              <a:t>2019/1/23</a:t>
+              <a:t>2019/1/24</a:t>
             </a:fld>
             <a:endParaRPr kumimoji="1" lang="ja-JP" altLang="en-US"/>
           </a:p>
@@ -6831,7 +8148,7 @@
           <a:p>
             <a:fld id="{E7D511BB-4569-984B-89A7-0CAB83200160}" type="datetimeFigureOut">
               <a:rPr kumimoji="1" lang="ja-JP" altLang="en-US" smtClean="0"/>
-              <a:t>2019/1/23</a:t>
+              <a:t>2019/1/24</a:t>
             </a:fld>
             <a:endParaRPr kumimoji="1" lang="ja-JP" altLang="en-US"/>
           </a:p>
@@ -7476,7 +8793,7 @@
           <a:p>
             <a:fld id="{33261070-0EEB-F446-BBEF-DA4E29C9CA29}" type="datetimeFigureOut">
               <a:rPr kumimoji="1" lang="ja-JP" altLang="en-US" smtClean="0"/>
-              <a:t>2019/1/23</a:t>
+              <a:t>2019/1/24</a:t>
             </a:fld>
             <a:endParaRPr kumimoji="1" lang="ja-JP" altLang="en-US"/>
           </a:p>
@@ -7960,14 +9277,14 @@
                 <a:latin typeface="Hiragino Kaku Gothic Pro W3" panose="020B0300000000000000" pitchFamily="34" charset="-128"/>
                 <a:ea typeface="Hiragino Kaku Gothic Pro W3" panose="020B0300000000000000" pitchFamily="34" charset="-128"/>
               </a:rPr>
-              <a:t>　</a:t>
+              <a:t>　最終</a:t>
             </a:r>
             <a:r>
               <a:rPr kumimoji="1" lang="ja-JP" altLang="en-US" sz="5400" dirty="0">
                 <a:latin typeface="Hiragino Kaku Gothic Pro W3" panose="020B0300000000000000" pitchFamily="34" charset="-128"/>
                 <a:ea typeface="Hiragino Kaku Gothic Pro W3" panose="020B0300000000000000" pitchFamily="34" charset="-128"/>
               </a:rPr>
-              <a:t>中間発表</a:t>
+              <a:t>発表</a:t>
             </a:r>
           </a:p>
         </p:txBody>
@@ -8269,11 +9586,11 @@
               <a:buChar char="Ø"/>
             </a:pPr>
             <a:r>
-              <a:rPr kumimoji="1" lang="en-US" altLang="ja-JP" sz="2600" b="1" dirty="0">
+              <a:rPr lang="en-US" altLang="ja-JP" sz="2600" b="1" dirty="0">
                 <a:latin typeface="DIN Alternate" panose="020B0500000000000000" pitchFamily="34" charset="0"/>
                 <a:ea typeface="Hiragino Kaku Gothic Pro W3" panose="020B0300000000000000" pitchFamily="34" charset="-128"/>
               </a:rPr>
-              <a:t>K</a:t>
+              <a:t>k</a:t>
             </a:r>
             <a:r>
               <a:rPr kumimoji="1" lang="ja-JP" altLang="en-US" sz="2600" b="1" dirty="0">
@@ -8385,7 +9702,7 @@
           <p:nvPr/>
         </p:nvPicPr>
         <p:blipFill>
-          <a:blip r:embed="rId2"/>
+          <a:blip r:embed="rId3"/>
           <a:stretch>
             <a:fillRect/>
           </a:stretch>
@@ -9756,20 +11073,31 @@
         </p:spPr>
         <p:txBody>
           <a:bodyPr>
-            <a:normAutofit fontScale="85000" lnSpcReduction="10000"/>
+            <a:normAutofit/>
           </a:bodyPr>
           <a:lstStyle/>
           <a:p>
             <a:pPr>
               <a:lnSpc>
-                <a:spcPct val="150000"/>
+                <a:spcPct val="100000"/>
               </a:lnSpc>
             </a:pPr>
             <a:r>
               <a:rPr lang="ja-JP" altLang="en-US" dirty="0">
                 <a:ea typeface="Hiragino Kaku Gothic Pro W3" panose="020B0300000000000000"/>
               </a:rPr>
-              <a:t>データベースとクエリを</a:t>
+              <a:t>入力データ・処理方法を選択し，</a:t>
+            </a:r>
+            <a:br>
+              <a:rPr lang="en-US" altLang="ja-JP" dirty="0">
+                <a:ea typeface="Hiragino Kaku Gothic Pro W3" panose="020B0300000000000000"/>
+              </a:rPr>
+            </a:br>
+            <a:r>
+              <a:rPr lang="ja-JP" altLang="en-US" dirty="0">
+                <a:ea typeface="Hiragino Kaku Gothic Pro W3" panose="020B0300000000000000"/>
+              </a:rPr>
+              <a:t>正解率を出力する</a:t>
             </a:r>
             <a:r>
               <a:rPr lang="en-US" altLang="ja-JP" dirty="0">
@@ -9781,33 +11109,18 @@
               <a:rPr lang="ja-JP" altLang="en-US" dirty="0">
                 <a:ea typeface="Hiragino Kaku Gothic Pro W3" panose="020B0300000000000000"/>
               </a:rPr>
-              <a:t>で操作</a:t>
+              <a:t>を作成</a:t>
             </a:r>
             <a:endParaRPr lang="en-US" altLang="ja-JP" dirty="0">
               <a:ea typeface="Hiragino Kaku Gothic Pro W3" panose="020B0300000000000000"/>
             </a:endParaRPr>
           </a:p>
           <a:p>
-            <a:pPr>
+            <a:pPr marL="0" indent="0">
               <a:lnSpc>
-                <a:spcPct val="150000"/>
+                <a:spcPct val="100000"/>
               </a:lnSpc>
-            </a:pPr>
-            <a:r>
-              <a:rPr lang="ja-JP" altLang="en-US" dirty="0">
-                <a:ea typeface="Hiragino Kaku Gothic Pro W3" panose="020B0300000000000000"/>
-              </a:rPr>
-              <a:t>認識精度が最も良いアルゴリズムを適用</a:t>
-            </a:r>
-            <a:endParaRPr lang="en-US" altLang="ja-JP" dirty="0">
-              <a:ea typeface="Hiragino Kaku Gothic Pro W3" panose="020B0300000000000000"/>
-            </a:endParaRPr>
-          </a:p>
-          <a:p>
-            <a:pPr>
-              <a:lnSpc>
-                <a:spcPct val="150000"/>
-              </a:lnSpc>
+              <a:buNone/>
             </a:pPr>
             <a:endParaRPr lang="en-US" altLang="ja-JP" dirty="0">
               <a:ea typeface="Hiragino Kaku Gothic Pro W3" panose="020B0300000000000000"/>
@@ -9816,140 +11129,136 @@
           <a:p>
             <a:pPr>
               <a:lnSpc>
-                <a:spcPct val="150000"/>
+                <a:spcPct val="100000"/>
               </a:lnSpc>
             </a:pPr>
             <a:r>
               <a:rPr lang="ja-JP" altLang="en-US" dirty="0">
                 <a:ea typeface="Hiragino Kaku Gothic Pro W3" panose="020B0300000000000000"/>
               </a:rPr>
-              <a:t>追加機能</a:t>
+              <a:t>操作手順として，</a:t>
             </a:r>
             <a:endParaRPr lang="en-US" altLang="ja-JP" dirty="0">
               <a:ea typeface="Hiragino Kaku Gothic Pro W3" panose="020B0300000000000000"/>
             </a:endParaRPr>
           </a:p>
           <a:p>
-            <a:pPr lvl="1">
+            <a:pPr marL="971550" lvl="1" indent="-514350">
+              <a:lnSpc>
+                <a:spcPct val="100000"/>
+              </a:lnSpc>
+              <a:buFont typeface="+mj-lt"/>
+              <a:buAutoNum type="arabicPeriod"/>
+            </a:pPr>
+            <a:r>
+              <a:rPr lang="ja-JP" altLang="en-US" dirty="0">
+                <a:ea typeface="Hiragino Kaku Gothic Pro W3" panose="020B0300000000000000"/>
+              </a:rPr>
+              <a:t>学習</a:t>
+            </a:r>
+            <a:r>
+              <a:rPr lang="en-US" altLang="ja-JP" dirty="0">
+                <a:ea typeface="Hiragino Kaku Gothic Pro W3" panose="020B0300000000000000"/>
+              </a:rPr>
+              <a:t>,</a:t>
+            </a:r>
+            <a:r>
+              <a:rPr lang="ja-JP" altLang="en-US" dirty="0">
+                <a:ea typeface="Hiragino Kaku Gothic Pro W3" panose="020B0300000000000000"/>
+              </a:rPr>
+              <a:t>検証データのフォルダを選択</a:t>
+            </a:r>
+            <a:endParaRPr lang="en-US" altLang="ja-JP" dirty="0">
+              <a:ea typeface="Hiragino Kaku Gothic Pro W3" panose="020B0300000000000000"/>
+            </a:endParaRPr>
+          </a:p>
+          <a:p>
+            <a:pPr marL="971550" lvl="1" indent="-514350">
+              <a:lnSpc>
+                <a:spcPct val="100000"/>
+              </a:lnSpc>
+              <a:buFont typeface="+mj-lt"/>
+              <a:buAutoNum type="arabicPeriod"/>
+            </a:pPr>
+            <a:r>
+              <a:rPr lang="ja-JP" altLang="en-US" dirty="0">
+                <a:ea typeface="Hiragino Kaku Gothic Pro W3" panose="020B0300000000000000"/>
+              </a:rPr>
+              <a:t>分類手法の選択</a:t>
+            </a:r>
+            <a:endParaRPr lang="en-US" altLang="ja-JP" dirty="0">
+              <a:ea typeface="Hiragino Kaku Gothic Pro W3" panose="020B0300000000000000"/>
+            </a:endParaRPr>
+          </a:p>
+          <a:p>
+            <a:pPr marL="971550" lvl="1" indent="-514350">
+              <a:lnSpc>
+                <a:spcPct val="100000"/>
+              </a:lnSpc>
+              <a:buFont typeface="+mj-lt"/>
+              <a:buAutoNum type="arabicPeriod"/>
+            </a:pPr>
+            <a:r>
+              <a:rPr lang="ja-JP" altLang="en-US" dirty="0">
+                <a:ea typeface="Hiragino Kaku Gothic Pro W3" panose="020B0300000000000000"/>
+              </a:rPr>
+              <a:t>実行し，検証データの正解率を</a:t>
+            </a:r>
+            <a:br>
+              <a:rPr lang="en-US" altLang="ja-JP" dirty="0">
+                <a:ea typeface="Hiragino Kaku Gothic Pro W3" panose="020B0300000000000000"/>
+              </a:rPr>
+            </a:br>
+            <a:r>
+              <a:rPr lang="ja-JP" altLang="en-US" dirty="0">
+                <a:ea typeface="Hiragino Kaku Gothic Pro W3" panose="020B0300000000000000"/>
+              </a:rPr>
+              <a:t>表示する</a:t>
+            </a:r>
+            <a:endParaRPr lang="en-US" altLang="ja-JP" dirty="0">
+              <a:ea typeface="Hiragino Kaku Gothic Pro W3" panose="020B0300000000000000"/>
+            </a:endParaRPr>
+          </a:p>
+          <a:p>
+            <a:pPr marL="0" indent="0">
               <a:lnSpc>
                 <a:spcPct val="150000"/>
               </a:lnSpc>
+              <a:buNone/>
             </a:pPr>
-            <a:r>
-              <a:rPr lang="ja-JP" altLang="en-US" dirty="0">
-                <a:ea typeface="Hiragino Kaku Gothic Pro W3" panose="020B0300000000000000"/>
-              </a:rPr>
-              <a:t>カメラで顔登録する機能</a:t>
-            </a:r>
             <a:endParaRPr lang="en-US" altLang="ja-JP" dirty="0">
               <a:ea typeface="Hiragino Kaku Gothic Pro W3" panose="020B0300000000000000"/>
             </a:endParaRPr>
           </a:p>
-          <a:p>
-            <a:pPr lvl="1">
-              <a:lnSpc>
-                <a:spcPct val="150000"/>
-              </a:lnSpc>
-            </a:pPr>
-            <a:r>
-              <a:rPr lang="ja-JP" altLang="en-US" dirty="0">
-                <a:ea typeface="Hiragino Kaku Gothic Pro W3" panose="020B0300000000000000"/>
-              </a:rPr>
-              <a:t>顔の読み取りでロック解除など</a:t>
-            </a:r>
-            <a:endParaRPr lang="en-US" altLang="ja-JP" dirty="0">
-              <a:ea typeface="Hiragino Kaku Gothic Pro W3" panose="020B0300000000000000"/>
-            </a:endParaRPr>
-          </a:p>
-          <a:p>
-            <a:pPr lvl="1">
-              <a:lnSpc>
-                <a:spcPct val="150000"/>
-              </a:lnSpc>
-            </a:pPr>
-            <a:r>
-              <a:rPr lang="en-US" altLang="ja-JP" dirty="0">
-                <a:latin typeface="DIN Alternate" panose="020B0500000000000000"/>
-                <a:ea typeface="Hiragino Kaku Gothic Pro W3" panose="020B0300000000000000"/>
-              </a:rPr>
-              <a:t>GUI</a:t>
-            </a:r>
-            <a:r>
-              <a:rPr lang="ja-JP" altLang="en-US" dirty="0">
-                <a:ea typeface="Hiragino Kaku Gothic Pro W3" panose="020B0300000000000000"/>
-              </a:rPr>
-              <a:t>改善</a:t>
-            </a:r>
-            <a:endParaRPr lang="en-US" altLang="ja-JP" dirty="0">
-              <a:ea typeface="Hiragino Kaku Gothic Pro W3" panose="020B0300000000000000"/>
-            </a:endParaRPr>
-          </a:p>
-        </p:txBody>
-      </p:sp>
-      <p:pic>
-        <p:nvPicPr>
-          <p:cNvPr id="5" name="図 4" descr="スクリーンショット が含まれている画像&#10;&#10;非常に高い精度で生成された説明">
-            <a:extLst>
-              <a:ext uri="{FF2B5EF4-FFF2-40B4-BE49-F238E27FC236}">
-                <a16:creationId xmlns:a16="http://schemas.microsoft.com/office/drawing/2014/main" id="{187F01D6-01AC-4038-9BD4-32F978D2EE32}"/>
-              </a:ext>
-            </a:extLst>
-          </p:cNvPr>
-          <p:cNvPicPr>
-            <a:picLocks noChangeAspect="1"/>
-          </p:cNvPicPr>
+        </p:txBody>
+      </p:sp>
+      <p:sp>
+        <p:nvSpPr>
+          <p:cNvPr id="9" name="正方形/長方形 8">
+            <a:extLst>
+              <a:ext uri="{FF2B5EF4-FFF2-40B4-BE49-F238E27FC236}">
+                <a16:creationId xmlns:a16="http://schemas.microsoft.com/office/drawing/2014/main" id="{88CFCED6-B886-45EB-B09D-25A361307CD4}"/>
+              </a:ext>
+            </a:extLst>
+          </p:cNvPr>
+          <p:cNvSpPr/>
           <p:nvPr/>
-        </p:nvPicPr>
-        <p:blipFill>
-          <a:blip r:embed="rId2"/>
-          <a:stretch>
-            <a:fillRect/>
-          </a:stretch>
-        </p:blipFill>
-        <p:spPr>
-          <a:xfrm>
-            <a:off x="6795999" y="2076345"/>
-            <a:ext cx="4703980" cy="2905401"/>
+        </p:nvSpPr>
+        <p:spPr>
+          <a:xfrm>
+            <a:off x="8826491" y="5058839"/>
+            <a:ext cx="662361" cy="461665"/>
           </a:xfrm>
           <a:prstGeom prst="rect">
             <a:avLst/>
           </a:prstGeom>
         </p:spPr>
-      </p:pic>
-      <p:sp>
-        <p:nvSpPr>
-          <p:cNvPr id="9" name="正方形/長方形 8">
-            <a:extLst>
-              <a:ext uri="{FF2B5EF4-FFF2-40B4-BE49-F238E27FC236}">
-                <a16:creationId xmlns:a16="http://schemas.microsoft.com/office/drawing/2014/main" id="{88CFCED6-B886-45EB-B09D-25A361307CD4}"/>
-              </a:ext>
-            </a:extLst>
-          </p:cNvPr>
-          <p:cNvSpPr/>
-          <p:nvPr/>
-        </p:nvSpPr>
-        <p:spPr>
-          <a:xfrm>
-            <a:off x="8513841" y="5058839"/>
-            <a:ext cx="1268296" cy="461665"/>
-          </a:xfrm>
-          <a:prstGeom prst="rect">
-            <a:avLst/>
-          </a:prstGeom>
-        </p:spPr>
         <p:txBody>
           <a:bodyPr wrap="none">
             <a:spAutoFit/>
           </a:bodyPr>
           <a:lstStyle/>
           <a:p>
-            <a:r>
-              <a:rPr lang="ja-JP" altLang="en-US" sz="2400" b="1" dirty="0">
-                <a:latin typeface="Hiragino Kaku Gothic Pro W3" panose="020B0300000000000000" pitchFamily="34" charset="-128"/>
-                <a:ea typeface="Hiragino Kaku Gothic Pro W3" panose="020B0300000000000000" pitchFamily="34" charset="-128"/>
-              </a:rPr>
-              <a:t>試作</a:t>
-            </a:r>
             <a:r>
               <a:rPr lang="en-US" altLang="ja-JP" sz="2400" b="1" dirty="0">
                 <a:latin typeface="DIN Alternate" panose="020B0500000000000000"/>
@@ -10028,6 +11337,36 @@
           </a:p>
         </p:txBody>
       </p:sp>
+      <p:pic>
+        <p:nvPicPr>
+          <p:cNvPr id="4" name="図 3">
+            <a:extLst>
+              <a:ext uri="{FF2B5EF4-FFF2-40B4-BE49-F238E27FC236}">
+                <a16:creationId xmlns:a16="http://schemas.microsoft.com/office/drawing/2014/main" id="{61F0E310-291F-42AC-ABEB-3ABE30247149}"/>
+              </a:ext>
+            </a:extLst>
+          </p:cNvPr>
+          <p:cNvPicPr>
+            <a:picLocks noChangeAspect="1"/>
+          </p:cNvPicPr>
+          <p:nvPr/>
+        </p:nvPicPr>
+        <p:blipFill>
+          <a:blip r:embed="rId3"/>
+          <a:stretch>
+            <a:fillRect/>
+          </a:stretch>
+        </p:blipFill>
+        <p:spPr>
+          <a:xfrm>
+            <a:off x="7284488" y="1690688"/>
+            <a:ext cx="3746369" cy="3223967"/>
+          </a:xfrm>
+          <a:prstGeom prst="rect">
+            <a:avLst/>
+          </a:prstGeom>
+        </p:spPr>
+      </p:pic>
     </p:spTree>
     <p:extLst>
       <p:ext uri="{BB962C8B-B14F-4D97-AF65-F5344CB8AC3E}">
@@ -10116,49 +11455,59 @@
           <a:lstStyle/>
           <a:p>
             <a:r>
-              <a:rPr kumimoji="1" lang="en-US" altLang="ja-JP" dirty="0"/>
+              <a:rPr kumimoji="1" lang="en-US" altLang="ja-JP" sz="3200" dirty="0"/>
               <a:t>DCT</a:t>
             </a:r>
             <a:r>
-              <a:rPr lang="ja-JP" altLang="en-US" dirty="0"/>
+              <a:rPr lang="ja-JP" altLang="en-US" sz="3200" dirty="0"/>
               <a:t> </a:t>
             </a:r>
             <a:r>
-              <a:rPr kumimoji="1" lang="ja-JP" altLang="en-US" dirty="0"/>
+              <a:rPr kumimoji="1" lang="ja-JP" altLang="en-US" sz="3200" dirty="0"/>
               <a:t>＆ 単純マッチング　</a:t>
             </a:r>
             <a:r>
-              <a:rPr lang="en-US" altLang="ja-JP" b="1" dirty="0"/>
+              <a:rPr lang="en-US" altLang="ja-JP" sz="3200" b="1" dirty="0">
+                <a:solidFill>
+                  <a:schemeClr val="accent2"/>
+                </a:solidFill>
+              </a:rPr>
               <a:t>82.76</a:t>
             </a:r>
             <a:r>
-              <a:rPr kumimoji="1" lang="en-US" altLang="ja-JP" b="1" dirty="0"/>
+              <a:rPr kumimoji="1" lang="en-US" altLang="ja-JP" sz="3200" b="1" dirty="0">
+                <a:solidFill>
+                  <a:schemeClr val="accent2"/>
+                </a:solidFill>
+              </a:rPr>
               <a:t>%</a:t>
             </a:r>
           </a:p>
           <a:p>
-            <a:pPr lvl="1"/>
-            <a:r>
-              <a:rPr lang="ja-JP" altLang="en-US" dirty="0">
+            <a:pPr marL="457200" lvl="1" indent="0">
+              <a:buNone/>
+            </a:pPr>
+            <a:r>
+              <a:rPr lang="ja-JP" altLang="en-US" sz="2800" dirty="0">
                 <a:latin typeface="DIN Alternate" panose="020B0500000000000000"/>
                 <a:ea typeface="Hiragino Kaku Gothic Pro W3" panose="020B0300000000000000"/>
               </a:rPr>
               <a:t>エッジ検出後の</a:t>
             </a:r>
             <a:r>
-              <a:rPr lang="en-US" altLang="ja-JP" dirty="0">
+              <a:rPr lang="en-US" altLang="ja-JP" sz="2800" dirty="0">
                 <a:latin typeface="DIN Alternate" panose="020B0500000000000000"/>
                 <a:ea typeface="Hiragino Kaku Gothic Pro W3" panose="020B0300000000000000"/>
               </a:rPr>
               <a:t>DCT</a:t>
             </a:r>
             <a:r>
-              <a:rPr lang="ja-JP" altLang="en-US" dirty="0">
+              <a:rPr lang="ja-JP" altLang="en-US" sz="2800" dirty="0">
                 <a:ea typeface="Hiragino Kaku Gothic Pro W3" panose="020B0300000000000000"/>
               </a:rPr>
               <a:t>特徴量を，単純マッチングで分類</a:t>
             </a:r>
-            <a:endParaRPr lang="en-US" altLang="ja-JP" dirty="0">
+            <a:endParaRPr lang="en-US" altLang="ja-JP" sz="2800" dirty="0">
               <a:ea typeface="Hiragino Kaku Gothic Pro W3" panose="020B0300000000000000"/>
             </a:endParaRPr>
           </a:p>
@@ -10166,74 +11515,76 @@
             <a:pPr marL="457200" lvl="1" indent="0">
               <a:buNone/>
             </a:pPr>
-            <a:endParaRPr kumimoji="1" lang="en-US" altLang="ja-JP" sz="1000" dirty="0">
+            <a:endParaRPr kumimoji="1" lang="en-US" altLang="ja-JP" sz="1050" dirty="0">
               <a:ea typeface="Hiragino Kaku Gothic Pro W3" panose="020B0300000000000000"/>
             </a:endParaRPr>
           </a:p>
           <a:p>
             <a:r>
-              <a:rPr lang="en-US" altLang="ja-JP" dirty="0"/>
+              <a:rPr lang="en-US" altLang="ja-JP" sz="3200" dirty="0"/>
               <a:t>HOG</a:t>
             </a:r>
             <a:r>
-              <a:rPr lang="ja-JP" altLang="en-US" dirty="0"/>
+              <a:rPr lang="ja-JP" altLang="en-US" sz="3200" dirty="0"/>
               <a:t> ＆ </a:t>
             </a:r>
             <a:r>
-              <a:rPr lang="en-US" altLang="ja-JP" dirty="0" err="1"/>
+              <a:rPr lang="en-US" altLang="ja-JP" sz="3200" dirty="0" err="1"/>
               <a:t>kNN</a:t>
             </a:r>
             <a:r>
-              <a:rPr kumimoji="1" lang="ja-JP" altLang="en-US" dirty="0"/>
+              <a:rPr kumimoji="1" lang="ja-JP" altLang="en-US" sz="3200" dirty="0"/>
               <a:t>　</a:t>
             </a:r>
             <a:r>
-              <a:rPr lang="en-US" altLang="ja-JP" b="1" dirty="0"/>
+              <a:rPr lang="en-US" altLang="ja-JP" sz="3200" b="1" dirty="0"/>
               <a:t>75.86</a:t>
             </a:r>
             <a:r>
-              <a:rPr kumimoji="1" lang="en-US" altLang="ja-JP" b="1" dirty="0"/>
+              <a:rPr kumimoji="1" lang="en-US" altLang="ja-JP" sz="3200" b="1" dirty="0"/>
               <a:t>%</a:t>
             </a:r>
           </a:p>
           <a:p>
-            <a:pPr lvl="1"/>
-            <a:r>
-              <a:rPr lang="ja-JP" altLang="en-US" dirty="0">
+            <a:pPr marL="457200" lvl="1" indent="0">
+              <a:buNone/>
+            </a:pPr>
+            <a:r>
+              <a:rPr lang="ja-JP" altLang="en-US" sz="2800" dirty="0">
                 <a:latin typeface="DIN Alternate" panose="020B0500000000000000"/>
                 <a:ea typeface="Hiragino Kaku Gothic Pro W3" panose="020B0300000000000000"/>
               </a:rPr>
               <a:t>エッジ検出後の</a:t>
             </a:r>
             <a:r>
-              <a:rPr lang="en-US" altLang="ja-JP" dirty="0">
+              <a:rPr lang="en-US" altLang="ja-JP" sz="2800" dirty="0">
                 <a:latin typeface="DIN Alternate" panose="020B0500000000000000"/>
                 <a:ea typeface="Hiragino Kaku Gothic Pro W3" panose="020B0300000000000000"/>
               </a:rPr>
               <a:t>HOG</a:t>
             </a:r>
             <a:r>
-              <a:rPr lang="ja-JP" altLang="en-US" dirty="0">
+              <a:rPr lang="ja-JP" altLang="en-US" sz="2800" dirty="0">
                 <a:latin typeface="DIN Alternate" panose="020B0500000000000000"/>
                 <a:ea typeface="Hiragino Kaku Gothic Pro W3" panose="020B0300000000000000"/>
               </a:rPr>
               <a:t>特徴量を，</a:t>
             </a:r>
             <a:r>
-              <a:rPr lang="en-US" altLang="ja-JP" dirty="0" err="1">
+              <a:rPr lang="en-US" altLang="ja-JP" sz="2800" dirty="0" err="1">
                 <a:latin typeface="DIN Alternate" panose="020B0500000000000000"/>
                 <a:ea typeface="Hiragino Kaku Gothic Pro W3" panose="020B0300000000000000"/>
               </a:rPr>
               <a:t>kNN</a:t>
             </a:r>
             <a:r>
-              <a:rPr lang="ja-JP" altLang="en-US" dirty="0">
+              <a:rPr lang="ja-JP" altLang="en-US" sz="2800" dirty="0">
                 <a:latin typeface="DIN Alternate" panose="020B0500000000000000"/>
                 <a:ea typeface="Hiragino Kaku Gothic Pro W3" panose="020B0300000000000000"/>
               </a:rPr>
               <a:t>で分類</a:t>
             </a:r>
-            <a:endParaRPr lang="en-US" altLang="ja-JP" dirty="0">
+            <a:endParaRPr lang="en-US" altLang="ja-JP" sz="2800" dirty="0">
               <a:latin typeface="DIN Alternate" panose="020B0500000000000000"/>
               <a:ea typeface="Hiragino Kaku Gothic Pro W3" panose="020B0300000000000000"/>
             </a:endParaRPr>
@@ -10242,66 +11593,70 @@
             <a:pPr marL="457200" lvl="1" indent="0">
               <a:buNone/>
             </a:pPr>
-            <a:endParaRPr lang="en-US" altLang="ja-JP" sz="1000" dirty="0">
+            <a:endParaRPr lang="en-US" altLang="ja-JP" sz="1050" dirty="0">
               <a:latin typeface="DIN Alternate" panose="020B0500000000000000"/>
               <a:ea typeface="Hiragino Kaku Gothic Pro W3" panose="020B0300000000000000"/>
             </a:endParaRPr>
           </a:p>
           <a:p>
             <a:r>
-              <a:rPr lang="en-US" altLang="ja-JP" dirty="0"/>
+              <a:rPr lang="en-US" altLang="ja-JP" sz="3200" dirty="0"/>
               <a:t>DCT </a:t>
             </a:r>
             <a:r>
-              <a:rPr lang="ja-JP" altLang="en-US" dirty="0"/>
+              <a:rPr lang="ja-JP" altLang="en-US" sz="3200" dirty="0"/>
               <a:t>＆ </a:t>
             </a:r>
             <a:r>
-              <a:rPr lang="en-US" altLang="ja-JP" dirty="0" err="1"/>
+              <a:rPr lang="en-US" altLang="ja-JP" sz="3200" dirty="0" err="1"/>
               <a:t>kNN</a:t>
             </a:r>
             <a:r>
-              <a:rPr lang="ja-JP" altLang="en-US" dirty="0"/>
+              <a:rPr lang="ja-JP" altLang="en-US" sz="3200" dirty="0"/>
               <a:t>　</a:t>
             </a:r>
             <a:r>
-              <a:rPr lang="en-US" altLang="ja-JP" b="1" dirty="0"/>
+              <a:rPr lang="en-US" altLang="ja-JP" sz="3200" b="1" dirty="0"/>
               <a:t>74.14%</a:t>
             </a:r>
           </a:p>
           <a:p>
-            <a:pPr lvl="1"/>
-            <a:r>
-              <a:rPr lang="ja-JP" altLang="en-US" dirty="0">
+            <a:pPr marL="457200" lvl="1" indent="0">
+              <a:buNone/>
+            </a:pPr>
+            <a:r>
+              <a:rPr lang="ja-JP" altLang="en-US" sz="2800" dirty="0">
                 <a:ea typeface="Hiragino Kaku Gothic Pro W3" panose="020B0300000000000000"/>
               </a:rPr>
               <a:t>エッジ検出後の</a:t>
             </a:r>
             <a:r>
-              <a:rPr lang="en-US" altLang="ja-JP" dirty="0">
+              <a:rPr lang="en-US" altLang="ja-JP" sz="2800" dirty="0">
+                <a:latin typeface="DIN Alternate" panose="020B0500000000000000"/>
                 <a:ea typeface="Hiragino Kaku Gothic Pro W3" panose="020B0300000000000000"/>
               </a:rPr>
               <a:t>DCT</a:t>
             </a:r>
             <a:r>
-              <a:rPr lang="ja-JP" altLang="en-US" dirty="0">
+              <a:rPr lang="ja-JP" altLang="en-US" sz="2800" dirty="0">
                 <a:ea typeface="Hiragino Kaku Gothic Pro W3" panose="020B0300000000000000"/>
               </a:rPr>
               <a:t>特徴量を，</a:t>
             </a:r>
             <a:r>
-              <a:rPr lang="en-US" altLang="ja-JP" dirty="0" err="1">
+              <a:rPr lang="en-US" altLang="ja-JP" sz="2800" dirty="0" err="1">
+                <a:latin typeface="DIN Alternate" panose="020B0500000000000000"/>
                 <a:ea typeface="Hiragino Kaku Gothic Pro W3" panose="020B0300000000000000"/>
               </a:rPr>
               <a:t>kNN</a:t>
             </a:r>
             <a:r>
-              <a:rPr lang="ja-JP" altLang="en-US" dirty="0">
+              <a:rPr lang="ja-JP" altLang="en-US" sz="2800" dirty="0">
                 <a:ea typeface="Hiragino Kaku Gothic Pro W3" panose="020B0300000000000000"/>
               </a:rPr>
               <a:t>で分類</a:t>
             </a:r>
-            <a:endParaRPr kumimoji="1" lang="en-US" altLang="ja-JP" dirty="0">
+            <a:endParaRPr kumimoji="1" lang="en-US" altLang="ja-JP" sz="2800" dirty="0">
               <a:ea typeface="Hiragino Kaku Gothic Pro W3" panose="020B0300000000000000"/>
             </a:endParaRPr>
           </a:p>
@@ -10547,7 +11902,7 @@
             </a:r>
             <a:r>
               <a:rPr lang="ja-JP" altLang="en-US" sz="3200" dirty="0"/>
-              <a:t>特徴量が有効だと分かった</a:t>
+              <a:t>特徴量が有効だとわかった</a:t>
             </a:r>
             <a:endParaRPr kumimoji="1" lang="en-US" altLang="ja-JP" sz="3200" dirty="0"/>
           </a:p>
@@ -10878,7 +12233,14 @@
             </a:pPr>
             <a:r>
               <a:rPr lang="ja-JP" altLang="en-US" sz="3200" dirty="0"/>
-              <a:t>「キムタクに一番似ているのは誰か」という疑問や、「顔をパスワードの代わりとして利用したい」と言った要求に答えるシステムを開発する。代表的なパターン</a:t>
+              <a:t>「芸能人に一番似ているのは誰か」という疑問や、</a:t>
+            </a:r>
+            <a:br>
+              <a:rPr lang="en-US" altLang="ja-JP" sz="3200" dirty="0"/>
+            </a:br>
+            <a:r>
+              <a:rPr lang="ja-JP" altLang="en-US" sz="3200" dirty="0"/>
+              <a:t>「顔をパスワードの代わりとして利用したい」と言った要求に答えるシステムを開発する。代表的なパターン</a:t>
             </a:r>
             <a:endParaRPr lang="en-US" altLang="ja-JP" sz="3200" dirty="0"/>
           </a:p>
@@ -11500,36 +12862,6 @@
           <p:nvPr/>
         </p:nvPicPr>
         <p:blipFill>
-          <a:blip r:embed="rId2"/>
-          <a:stretch>
-            <a:fillRect/>
-          </a:stretch>
-        </p:blipFill>
-        <p:spPr>
-          <a:xfrm>
-            <a:off x="1175426" y="1567987"/>
-            <a:ext cx="1432188" cy="1066682"/>
-          </a:xfrm>
-          <a:prstGeom prst="rect">
-            <a:avLst/>
-          </a:prstGeom>
-        </p:spPr>
-      </p:pic>
-      <p:pic>
-        <p:nvPicPr>
-          <p:cNvPr id="7" name="図 6">
-            <a:extLst>
-              <a:ext uri="{FF2B5EF4-FFF2-40B4-BE49-F238E27FC236}">
-                <a16:creationId xmlns:a16="http://schemas.microsoft.com/office/drawing/2014/main" id="{4302E28E-6C9C-6F49-8C57-0D5CEE08D39F}"/>
-              </a:ext>
-            </a:extLst>
-          </p:cNvPr>
-          <p:cNvPicPr>
-            <a:picLocks noChangeAspect="1"/>
-          </p:cNvPicPr>
-          <p:nvPr/>
-        </p:nvPicPr>
-        <p:blipFill>
           <a:blip r:embed="rId3"/>
           <a:stretch>
             <a:fillRect/>
@@ -11537,7 +12869,7 @@
         </p:blipFill>
         <p:spPr>
           <a:xfrm>
-            <a:off x="1138839" y="1604574"/>
+            <a:off x="1175426" y="1567987"/>
             <a:ext cx="1432188" cy="1066682"/>
           </a:xfrm>
           <a:prstGeom prst="rect">
@@ -11547,10 +12879,10 @@
       </p:pic>
       <p:pic>
         <p:nvPicPr>
-          <p:cNvPr id="9" name="図 8">
-            <a:extLst>
-              <a:ext uri="{FF2B5EF4-FFF2-40B4-BE49-F238E27FC236}">
-                <a16:creationId xmlns:a16="http://schemas.microsoft.com/office/drawing/2014/main" id="{B7026380-9F96-3741-85B1-878324B77DE2}"/>
+          <p:cNvPr id="7" name="図 6">
+            <a:extLst>
+              <a:ext uri="{FF2B5EF4-FFF2-40B4-BE49-F238E27FC236}">
+                <a16:creationId xmlns:a16="http://schemas.microsoft.com/office/drawing/2014/main" id="{4302E28E-6C9C-6F49-8C57-0D5CEE08D39F}"/>
               </a:ext>
             </a:extLst>
           </p:cNvPr>
@@ -11567,7 +12899,7 @@
         </p:blipFill>
         <p:spPr>
           <a:xfrm>
-            <a:off x="1098252" y="1645161"/>
+            <a:off x="1138839" y="1604574"/>
             <a:ext cx="1432188" cy="1066682"/>
           </a:xfrm>
           <a:prstGeom prst="rect">
@@ -11577,10 +12909,10 @@
       </p:pic>
       <p:pic>
         <p:nvPicPr>
-          <p:cNvPr id="11" name="図 10">
-            <a:extLst>
-              <a:ext uri="{FF2B5EF4-FFF2-40B4-BE49-F238E27FC236}">
-                <a16:creationId xmlns:a16="http://schemas.microsoft.com/office/drawing/2014/main" id="{46D0022D-BB92-654D-9D0A-4102C51F97B7}"/>
+          <p:cNvPr id="9" name="図 8">
+            <a:extLst>
+              <a:ext uri="{FF2B5EF4-FFF2-40B4-BE49-F238E27FC236}">
+                <a16:creationId xmlns:a16="http://schemas.microsoft.com/office/drawing/2014/main" id="{B7026380-9F96-3741-85B1-878324B77DE2}"/>
               </a:ext>
             </a:extLst>
           </p:cNvPr>
@@ -11597,7 +12929,7 @@
         </p:blipFill>
         <p:spPr>
           <a:xfrm>
-            <a:off x="1053654" y="1689759"/>
+            <a:off x="1098252" y="1645161"/>
             <a:ext cx="1432188" cy="1066682"/>
           </a:xfrm>
           <a:prstGeom prst="rect">
@@ -11607,10 +12939,10 @@
       </p:pic>
       <p:pic>
         <p:nvPicPr>
-          <p:cNvPr id="13" name="図 12">
-            <a:extLst>
-              <a:ext uri="{FF2B5EF4-FFF2-40B4-BE49-F238E27FC236}">
-                <a16:creationId xmlns:a16="http://schemas.microsoft.com/office/drawing/2014/main" id="{9F8BDD55-FE2B-3640-8BC1-19EA6DE7DB5D}"/>
+          <p:cNvPr id="11" name="図 10">
+            <a:extLst>
+              <a:ext uri="{FF2B5EF4-FFF2-40B4-BE49-F238E27FC236}">
+                <a16:creationId xmlns:a16="http://schemas.microsoft.com/office/drawing/2014/main" id="{46D0022D-BB92-654D-9D0A-4102C51F97B7}"/>
               </a:ext>
             </a:extLst>
           </p:cNvPr>
@@ -11627,7 +12959,7 @@
         </p:blipFill>
         <p:spPr>
           <a:xfrm>
-            <a:off x="1014834" y="1732590"/>
+            <a:off x="1053654" y="1689759"/>
             <a:ext cx="1432188" cy="1066682"/>
           </a:xfrm>
           <a:prstGeom prst="rect">
@@ -11637,10 +12969,10 @@
       </p:pic>
       <p:pic>
         <p:nvPicPr>
-          <p:cNvPr id="15" name="図 14">
-            <a:extLst>
-              <a:ext uri="{FF2B5EF4-FFF2-40B4-BE49-F238E27FC236}">
-                <a16:creationId xmlns:a16="http://schemas.microsoft.com/office/drawing/2014/main" id="{B9A5874B-B25A-1D47-855B-29363A16155E}"/>
+          <p:cNvPr id="13" name="図 12">
+            <a:extLst>
+              <a:ext uri="{FF2B5EF4-FFF2-40B4-BE49-F238E27FC236}">
+                <a16:creationId xmlns:a16="http://schemas.microsoft.com/office/drawing/2014/main" id="{9F8BDD55-FE2B-3640-8BC1-19EA6DE7DB5D}"/>
               </a:ext>
             </a:extLst>
           </p:cNvPr>
@@ -11657,7 +12989,7 @@
         </p:blipFill>
         <p:spPr>
           <a:xfrm>
-            <a:off x="2992035" y="1551145"/>
+            <a:off x="1014834" y="1732590"/>
             <a:ext cx="1432188" cy="1066682"/>
           </a:xfrm>
           <a:prstGeom prst="rect">
@@ -11667,10 +12999,10 @@
       </p:pic>
       <p:pic>
         <p:nvPicPr>
-          <p:cNvPr id="17" name="図 16">
-            <a:extLst>
-              <a:ext uri="{FF2B5EF4-FFF2-40B4-BE49-F238E27FC236}">
-                <a16:creationId xmlns:a16="http://schemas.microsoft.com/office/drawing/2014/main" id="{058A73A0-42DB-E640-9B2D-E52EF3212327}"/>
+          <p:cNvPr id="15" name="図 14">
+            <a:extLst>
+              <a:ext uri="{FF2B5EF4-FFF2-40B4-BE49-F238E27FC236}">
+                <a16:creationId xmlns:a16="http://schemas.microsoft.com/office/drawing/2014/main" id="{B9A5874B-B25A-1D47-855B-29363A16155E}"/>
               </a:ext>
             </a:extLst>
           </p:cNvPr>
@@ -11687,7 +13019,7 @@
         </p:blipFill>
         <p:spPr>
           <a:xfrm>
-            <a:off x="2954493" y="1590875"/>
+            <a:off x="2992035" y="1551145"/>
             <a:ext cx="1432188" cy="1066682"/>
           </a:xfrm>
           <a:prstGeom prst="rect">
@@ -11697,10 +13029,10 @@
       </p:pic>
       <p:pic>
         <p:nvPicPr>
-          <p:cNvPr id="19" name="図 18">
-            <a:extLst>
-              <a:ext uri="{FF2B5EF4-FFF2-40B4-BE49-F238E27FC236}">
-                <a16:creationId xmlns:a16="http://schemas.microsoft.com/office/drawing/2014/main" id="{9BEEE504-0B88-954C-8884-08FF11AF0BD3}"/>
+          <p:cNvPr id="17" name="図 16">
+            <a:extLst>
+              <a:ext uri="{FF2B5EF4-FFF2-40B4-BE49-F238E27FC236}">
+                <a16:creationId xmlns:a16="http://schemas.microsoft.com/office/drawing/2014/main" id="{058A73A0-42DB-E640-9B2D-E52EF3212327}"/>
               </a:ext>
             </a:extLst>
           </p:cNvPr>
@@ -11717,7 +13049,7 @@
         </p:blipFill>
         <p:spPr>
           <a:xfrm>
-            <a:off x="2910378" y="1643492"/>
+            <a:off x="2954493" y="1590875"/>
             <a:ext cx="1432188" cy="1066682"/>
           </a:xfrm>
           <a:prstGeom prst="rect">
@@ -11727,10 +13059,10 @@
       </p:pic>
       <p:pic>
         <p:nvPicPr>
-          <p:cNvPr id="21" name="図 20">
-            <a:extLst>
-              <a:ext uri="{FF2B5EF4-FFF2-40B4-BE49-F238E27FC236}">
-                <a16:creationId xmlns:a16="http://schemas.microsoft.com/office/drawing/2014/main" id="{8B28F382-7ED6-FD40-A06A-F4CDA91CFBA1}"/>
+          <p:cNvPr id="19" name="図 18">
+            <a:extLst>
+              <a:ext uri="{FF2B5EF4-FFF2-40B4-BE49-F238E27FC236}">
+                <a16:creationId xmlns:a16="http://schemas.microsoft.com/office/drawing/2014/main" id="{9BEEE504-0B88-954C-8884-08FF11AF0BD3}"/>
               </a:ext>
             </a:extLst>
           </p:cNvPr>
@@ -11747,7 +13079,7 @@
         </p:blipFill>
         <p:spPr>
           <a:xfrm>
-            <a:off x="2869733" y="1699750"/>
+            <a:off x="2910378" y="1643492"/>
             <a:ext cx="1432188" cy="1066682"/>
           </a:xfrm>
           <a:prstGeom prst="rect">
@@ -11757,10 +13089,10 @@
       </p:pic>
       <p:pic>
         <p:nvPicPr>
-          <p:cNvPr id="23" name="図 22">
-            <a:extLst>
-              <a:ext uri="{FF2B5EF4-FFF2-40B4-BE49-F238E27FC236}">
-                <a16:creationId xmlns:a16="http://schemas.microsoft.com/office/drawing/2014/main" id="{B92E96A0-C2CD-4245-B15C-33575E758090}"/>
+          <p:cNvPr id="21" name="図 20">
+            <a:extLst>
+              <a:ext uri="{FF2B5EF4-FFF2-40B4-BE49-F238E27FC236}">
+                <a16:creationId xmlns:a16="http://schemas.microsoft.com/office/drawing/2014/main" id="{8B28F382-7ED6-FD40-A06A-F4CDA91CFBA1}"/>
               </a:ext>
             </a:extLst>
           </p:cNvPr>
@@ -11777,7 +13109,7 @@
         </p:blipFill>
         <p:spPr>
           <a:xfrm>
-            <a:off x="2832304" y="1745703"/>
+            <a:off x="2869733" y="1699750"/>
             <a:ext cx="1432188" cy="1066682"/>
           </a:xfrm>
           <a:prstGeom prst="rect">
@@ -11787,10 +13119,10 @@
       </p:pic>
       <p:pic>
         <p:nvPicPr>
-          <p:cNvPr id="38" name="図 37">
-            <a:extLst>
-              <a:ext uri="{FF2B5EF4-FFF2-40B4-BE49-F238E27FC236}">
-                <a16:creationId xmlns:a16="http://schemas.microsoft.com/office/drawing/2014/main" id="{F2E41D87-291D-EE4B-A2CD-0C17612EFF42}"/>
+          <p:cNvPr id="23" name="図 22">
+            <a:extLst>
+              <a:ext uri="{FF2B5EF4-FFF2-40B4-BE49-F238E27FC236}">
+                <a16:creationId xmlns:a16="http://schemas.microsoft.com/office/drawing/2014/main" id="{B92E96A0-C2CD-4245-B15C-33575E758090}"/>
               </a:ext>
             </a:extLst>
           </p:cNvPr>
@@ -11807,8 +13139,8 @@
         </p:blipFill>
         <p:spPr>
           <a:xfrm>
-            <a:off x="4709242" y="1561763"/>
-            <a:ext cx="1452426" cy="1081755"/>
+            <a:off x="2832304" y="1745703"/>
+            <a:ext cx="1432188" cy="1066682"/>
           </a:xfrm>
           <a:prstGeom prst="rect">
             <a:avLst/>
@@ -11817,10 +13149,10 @@
       </p:pic>
       <p:pic>
         <p:nvPicPr>
-          <p:cNvPr id="40" name="図 39">
-            <a:extLst>
-              <a:ext uri="{FF2B5EF4-FFF2-40B4-BE49-F238E27FC236}">
-                <a16:creationId xmlns:a16="http://schemas.microsoft.com/office/drawing/2014/main" id="{0FDC87BB-1404-AA41-A930-46BBE30F3CC9}"/>
+          <p:cNvPr id="38" name="図 37">
+            <a:extLst>
+              <a:ext uri="{FF2B5EF4-FFF2-40B4-BE49-F238E27FC236}">
+                <a16:creationId xmlns:a16="http://schemas.microsoft.com/office/drawing/2014/main" id="{F2E41D87-291D-EE4B-A2CD-0C17612EFF42}"/>
               </a:ext>
             </a:extLst>
           </p:cNvPr>
@@ -11837,7 +13169,7 @@
         </p:blipFill>
         <p:spPr>
           <a:xfrm>
-            <a:off x="4674705" y="1598696"/>
+            <a:off x="4709242" y="1561763"/>
             <a:ext cx="1452426" cy="1081755"/>
           </a:xfrm>
           <a:prstGeom prst="rect">
@@ -11847,10 +13179,10 @@
       </p:pic>
       <p:pic>
         <p:nvPicPr>
-          <p:cNvPr id="42" name="図 41">
-            <a:extLst>
-              <a:ext uri="{FF2B5EF4-FFF2-40B4-BE49-F238E27FC236}">
-                <a16:creationId xmlns:a16="http://schemas.microsoft.com/office/drawing/2014/main" id="{96E31B87-8174-2D4C-BA3E-A754FCF2453D}"/>
+          <p:cNvPr id="40" name="図 39">
+            <a:extLst>
+              <a:ext uri="{FF2B5EF4-FFF2-40B4-BE49-F238E27FC236}">
+                <a16:creationId xmlns:a16="http://schemas.microsoft.com/office/drawing/2014/main" id="{0FDC87BB-1404-AA41-A930-46BBE30F3CC9}"/>
               </a:ext>
             </a:extLst>
           </p:cNvPr>
@@ -11867,7 +13199,7 @@
         </p:blipFill>
         <p:spPr>
           <a:xfrm>
-            <a:off x="4641002" y="1642036"/>
+            <a:off x="4674705" y="1598696"/>
             <a:ext cx="1452426" cy="1081755"/>
           </a:xfrm>
           <a:prstGeom prst="rect">
@@ -11877,10 +13209,10 @@
       </p:pic>
       <p:pic>
         <p:nvPicPr>
-          <p:cNvPr id="44" name="図 43">
-            <a:extLst>
-              <a:ext uri="{FF2B5EF4-FFF2-40B4-BE49-F238E27FC236}">
-                <a16:creationId xmlns:a16="http://schemas.microsoft.com/office/drawing/2014/main" id="{D7383EE7-AF28-F44D-8FD1-F1187302C8E4}"/>
+          <p:cNvPr id="42" name="図 41">
+            <a:extLst>
+              <a:ext uri="{FF2B5EF4-FFF2-40B4-BE49-F238E27FC236}">
+                <a16:creationId xmlns:a16="http://schemas.microsoft.com/office/drawing/2014/main" id="{96E31B87-8174-2D4C-BA3E-A754FCF2453D}"/>
               </a:ext>
             </a:extLst>
           </p:cNvPr>
@@ -11897,7 +13229,7 @@
         </p:blipFill>
         <p:spPr>
           <a:xfrm>
-            <a:off x="4601675" y="1686989"/>
+            <a:off x="4641002" y="1642036"/>
             <a:ext cx="1452426" cy="1081755"/>
           </a:xfrm>
           <a:prstGeom prst="rect">
@@ -11907,10 +13239,10 @@
       </p:pic>
       <p:pic>
         <p:nvPicPr>
-          <p:cNvPr id="46" name="図 45">
-            <a:extLst>
-              <a:ext uri="{FF2B5EF4-FFF2-40B4-BE49-F238E27FC236}">
-                <a16:creationId xmlns:a16="http://schemas.microsoft.com/office/drawing/2014/main" id="{88DD424A-E839-1B40-A18B-DFED0AE831DE}"/>
+          <p:cNvPr id="44" name="図 43">
+            <a:extLst>
+              <a:ext uri="{FF2B5EF4-FFF2-40B4-BE49-F238E27FC236}">
+                <a16:creationId xmlns:a16="http://schemas.microsoft.com/office/drawing/2014/main" id="{D7383EE7-AF28-F44D-8FD1-F1187302C8E4}"/>
               </a:ext>
             </a:extLst>
           </p:cNvPr>
@@ -11927,7 +13259,7 @@
         </p:blipFill>
         <p:spPr>
           <a:xfrm>
-            <a:off x="4563125" y="1732590"/>
+            <a:off x="4601675" y="1686989"/>
             <a:ext cx="1452426" cy="1081755"/>
           </a:xfrm>
           <a:prstGeom prst="rect">
@@ -11937,10 +13269,10 @@
       </p:pic>
       <p:pic>
         <p:nvPicPr>
-          <p:cNvPr id="59" name="図 58">
-            <a:extLst>
-              <a:ext uri="{FF2B5EF4-FFF2-40B4-BE49-F238E27FC236}">
-                <a16:creationId xmlns:a16="http://schemas.microsoft.com/office/drawing/2014/main" id="{D8DE3C90-C9F1-6D4D-9A52-ED7C38DE613B}"/>
+          <p:cNvPr id="46" name="図 45">
+            <a:extLst>
+              <a:ext uri="{FF2B5EF4-FFF2-40B4-BE49-F238E27FC236}">
+                <a16:creationId xmlns:a16="http://schemas.microsoft.com/office/drawing/2014/main" id="{88DD424A-E839-1B40-A18B-DFED0AE831DE}"/>
               </a:ext>
             </a:extLst>
           </p:cNvPr>
@@ -11957,7 +13289,7 @@
         </p:blipFill>
         <p:spPr>
           <a:xfrm>
-            <a:off x="6543230" y="1545175"/>
+            <a:off x="4563125" y="1732590"/>
             <a:ext cx="1452426" cy="1081755"/>
           </a:xfrm>
           <a:prstGeom prst="rect">
@@ -11967,10 +13299,10 @@
       </p:pic>
       <p:pic>
         <p:nvPicPr>
-          <p:cNvPr id="61" name="図 60">
-            <a:extLst>
-              <a:ext uri="{FF2B5EF4-FFF2-40B4-BE49-F238E27FC236}">
-                <a16:creationId xmlns:a16="http://schemas.microsoft.com/office/drawing/2014/main" id="{4F6A04A6-0D6B-2E45-80FF-F44BFE8BDDDE}"/>
+          <p:cNvPr id="59" name="図 58">
+            <a:extLst>
+              <a:ext uri="{FF2B5EF4-FFF2-40B4-BE49-F238E27FC236}">
+                <a16:creationId xmlns:a16="http://schemas.microsoft.com/office/drawing/2014/main" id="{D8DE3C90-C9F1-6D4D-9A52-ED7C38DE613B}"/>
               </a:ext>
             </a:extLst>
           </p:cNvPr>
@@ -11987,7 +13319,7 @@
         </p:blipFill>
         <p:spPr>
           <a:xfrm>
-            <a:off x="6499920" y="1585694"/>
+            <a:off x="6543230" y="1545175"/>
             <a:ext cx="1452426" cy="1081755"/>
           </a:xfrm>
           <a:prstGeom prst="rect">
@@ -11997,10 +13329,10 @@
       </p:pic>
       <p:pic>
         <p:nvPicPr>
-          <p:cNvPr id="63" name="図 62">
-            <a:extLst>
-              <a:ext uri="{FF2B5EF4-FFF2-40B4-BE49-F238E27FC236}">
-                <a16:creationId xmlns:a16="http://schemas.microsoft.com/office/drawing/2014/main" id="{91F18481-D6DD-BB49-97D7-77382DA5C6ED}"/>
+          <p:cNvPr id="61" name="図 60">
+            <a:extLst>
+              <a:ext uri="{FF2B5EF4-FFF2-40B4-BE49-F238E27FC236}">
+                <a16:creationId xmlns:a16="http://schemas.microsoft.com/office/drawing/2014/main" id="{4F6A04A6-0D6B-2E45-80FF-F44BFE8BDDDE}"/>
               </a:ext>
             </a:extLst>
           </p:cNvPr>
@@ -12017,7 +13349,7 @@
         </p:blipFill>
         <p:spPr>
           <a:xfrm>
-            <a:off x="6454557" y="1632611"/>
+            <a:off x="6499920" y="1585694"/>
             <a:ext cx="1452426" cy="1081755"/>
           </a:xfrm>
           <a:prstGeom prst="rect">
@@ -12027,10 +13359,10 @@
       </p:pic>
       <p:pic>
         <p:nvPicPr>
-          <p:cNvPr id="65" name="図 64">
-            <a:extLst>
-              <a:ext uri="{FF2B5EF4-FFF2-40B4-BE49-F238E27FC236}">
-                <a16:creationId xmlns:a16="http://schemas.microsoft.com/office/drawing/2014/main" id="{B8A8635B-966C-2543-A84F-6D1EAC9F616B}"/>
+          <p:cNvPr id="63" name="図 62">
+            <a:extLst>
+              <a:ext uri="{FF2B5EF4-FFF2-40B4-BE49-F238E27FC236}">
+                <a16:creationId xmlns:a16="http://schemas.microsoft.com/office/drawing/2014/main" id="{91F18481-D6DD-BB49-97D7-77382DA5C6ED}"/>
               </a:ext>
             </a:extLst>
           </p:cNvPr>
@@ -12047,7 +13379,7 @@
         </p:blipFill>
         <p:spPr>
           <a:xfrm>
-            <a:off x="6418441" y="1680488"/>
+            <a:off x="6454557" y="1632611"/>
             <a:ext cx="1452426" cy="1081755"/>
           </a:xfrm>
           <a:prstGeom prst="rect">
@@ -12057,10 +13389,10 @@
       </p:pic>
       <p:pic>
         <p:nvPicPr>
-          <p:cNvPr id="67" name="図 66">
-            <a:extLst>
-              <a:ext uri="{FF2B5EF4-FFF2-40B4-BE49-F238E27FC236}">
-                <a16:creationId xmlns:a16="http://schemas.microsoft.com/office/drawing/2014/main" id="{F6297C75-B3C9-3146-9EA5-4ACED82CA9C5}"/>
+          <p:cNvPr id="65" name="図 64">
+            <a:extLst>
+              <a:ext uri="{FF2B5EF4-FFF2-40B4-BE49-F238E27FC236}">
+                <a16:creationId xmlns:a16="http://schemas.microsoft.com/office/drawing/2014/main" id="{B8A8635B-966C-2543-A84F-6D1EAC9F616B}"/>
               </a:ext>
             </a:extLst>
           </p:cNvPr>
@@ -12077,7 +13409,7 @@
         </p:blipFill>
         <p:spPr>
           <a:xfrm>
-            <a:off x="6377613" y="1723888"/>
+            <a:off x="6418441" y="1680488"/>
             <a:ext cx="1452426" cy="1081755"/>
           </a:xfrm>
           <a:prstGeom prst="rect">
@@ -12087,10 +13419,10 @@
       </p:pic>
       <p:pic>
         <p:nvPicPr>
-          <p:cNvPr id="71" name="図 70">
-            <a:extLst>
-              <a:ext uri="{FF2B5EF4-FFF2-40B4-BE49-F238E27FC236}">
-                <a16:creationId xmlns:a16="http://schemas.microsoft.com/office/drawing/2014/main" id="{BE5746FB-E02B-8542-BDFC-53357EF9B886}"/>
+          <p:cNvPr id="67" name="図 66">
+            <a:extLst>
+              <a:ext uri="{FF2B5EF4-FFF2-40B4-BE49-F238E27FC236}">
+                <a16:creationId xmlns:a16="http://schemas.microsoft.com/office/drawing/2014/main" id="{F6297C75-B3C9-3146-9EA5-4ACED82CA9C5}"/>
               </a:ext>
             </a:extLst>
           </p:cNvPr>
@@ -12107,8 +13439,8 @@
         </p:blipFill>
         <p:spPr>
           <a:xfrm>
-            <a:off x="8353797" y="1565485"/>
-            <a:ext cx="1454148" cy="1083037"/>
+            <a:off x="6377613" y="1723888"/>
+            <a:ext cx="1452426" cy="1081755"/>
           </a:xfrm>
           <a:prstGeom prst="rect">
             <a:avLst/>
@@ -12117,10 +13449,10 @@
       </p:pic>
       <p:pic>
         <p:nvPicPr>
-          <p:cNvPr id="73" name="図 72">
-            <a:extLst>
-              <a:ext uri="{FF2B5EF4-FFF2-40B4-BE49-F238E27FC236}">
-                <a16:creationId xmlns:a16="http://schemas.microsoft.com/office/drawing/2014/main" id="{35D75CA8-C895-C94B-B06A-B14313D22B78}"/>
+          <p:cNvPr id="71" name="図 70">
+            <a:extLst>
+              <a:ext uri="{FF2B5EF4-FFF2-40B4-BE49-F238E27FC236}">
+                <a16:creationId xmlns:a16="http://schemas.microsoft.com/office/drawing/2014/main" id="{BE5746FB-E02B-8542-BDFC-53357EF9B886}"/>
               </a:ext>
             </a:extLst>
           </p:cNvPr>
@@ -12137,7 +13469,7 @@
         </p:blipFill>
         <p:spPr>
           <a:xfrm>
-            <a:off x="8313882" y="1605901"/>
+            <a:off x="8353797" y="1565485"/>
             <a:ext cx="1454148" cy="1083037"/>
           </a:xfrm>
           <a:prstGeom prst="rect">
@@ -12147,10 +13479,10 @@
       </p:pic>
       <p:pic>
         <p:nvPicPr>
-          <p:cNvPr id="75" name="図 74">
-            <a:extLst>
-              <a:ext uri="{FF2B5EF4-FFF2-40B4-BE49-F238E27FC236}">
-                <a16:creationId xmlns:a16="http://schemas.microsoft.com/office/drawing/2014/main" id="{657F3F8B-AC5B-E744-BF9A-9F217E542DED}"/>
+          <p:cNvPr id="73" name="図 72">
+            <a:extLst>
+              <a:ext uri="{FF2B5EF4-FFF2-40B4-BE49-F238E27FC236}">
+                <a16:creationId xmlns:a16="http://schemas.microsoft.com/office/drawing/2014/main" id="{35D75CA8-C895-C94B-B06A-B14313D22B78}"/>
               </a:ext>
             </a:extLst>
           </p:cNvPr>
@@ -12167,7 +13499,7 @@
         </p:blipFill>
         <p:spPr>
           <a:xfrm>
-            <a:off x="8277500" y="1635975"/>
+            <a:off x="8313882" y="1605901"/>
             <a:ext cx="1454148" cy="1083037"/>
           </a:xfrm>
           <a:prstGeom prst="rect">
@@ -12177,10 +13509,10 @@
       </p:pic>
       <p:pic>
         <p:nvPicPr>
-          <p:cNvPr id="77" name="図 76">
-            <a:extLst>
-              <a:ext uri="{FF2B5EF4-FFF2-40B4-BE49-F238E27FC236}">
-                <a16:creationId xmlns:a16="http://schemas.microsoft.com/office/drawing/2014/main" id="{767CB1A6-DA4C-D847-9224-DAE155C47514}"/>
+          <p:cNvPr id="75" name="図 74">
+            <a:extLst>
+              <a:ext uri="{FF2B5EF4-FFF2-40B4-BE49-F238E27FC236}">
+                <a16:creationId xmlns:a16="http://schemas.microsoft.com/office/drawing/2014/main" id="{657F3F8B-AC5B-E744-BF9A-9F217E542DED}"/>
               </a:ext>
             </a:extLst>
           </p:cNvPr>
@@ -12197,7 +13529,7 @@
         </p:blipFill>
         <p:spPr>
           <a:xfrm>
-            <a:off x="8240522" y="1673035"/>
+            <a:off x="8277500" y="1635975"/>
             <a:ext cx="1454148" cy="1083037"/>
           </a:xfrm>
           <a:prstGeom prst="rect">
@@ -12207,10 +13539,10 @@
       </p:pic>
       <p:pic>
         <p:nvPicPr>
-          <p:cNvPr id="79" name="図 78">
-            <a:extLst>
-              <a:ext uri="{FF2B5EF4-FFF2-40B4-BE49-F238E27FC236}">
-                <a16:creationId xmlns:a16="http://schemas.microsoft.com/office/drawing/2014/main" id="{0E366E86-E9A9-084B-AE09-502AC6719CAB}"/>
+          <p:cNvPr id="77" name="図 76">
+            <a:extLst>
+              <a:ext uri="{FF2B5EF4-FFF2-40B4-BE49-F238E27FC236}">
+                <a16:creationId xmlns:a16="http://schemas.microsoft.com/office/drawing/2014/main" id="{767CB1A6-DA4C-D847-9224-DAE155C47514}"/>
               </a:ext>
             </a:extLst>
           </p:cNvPr>
@@ -12227,7 +13559,7 @@
         </p:blipFill>
         <p:spPr>
           <a:xfrm>
-            <a:off x="8199872" y="1716235"/>
+            <a:off x="8240522" y="1673035"/>
             <a:ext cx="1454148" cy="1083037"/>
           </a:xfrm>
           <a:prstGeom prst="rect">
@@ -12235,50 +13567,12 @@
           </a:prstGeom>
         </p:spPr>
       </p:pic>
-      <p:sp>
-        <p:nvSpPr>
-          <p:cNvPr id="81" name="テキスト ボックス 80">
-            <a:extLst>
-              <a:ext uri="{FF2B5EF4-FFF2-40B4-BE49-F238E27FC236}">
-                <a16:creationId xmlns:a16="http://schemas.microsoft.com/office/drawing/2014/main" id="{5705DA08-B3EF-D940-9FD9-24AEE0ED7A30}"/>
-              </a:ext>
-            </a:extLst>
-          </p:cNvPr>
-          <p:cNvSpPr txBox="1"/>
-          <p:nvPr/>
-        </p:nvSpPr>
-        <p:spPr>
-          <a:xfrm>
-            <a:off x="9873472" y="1983720"/>
-            <a:ext cx="1127232" cy="461665"/>
-          </a:xfrm>
-          <a:prstGeom prst="rect">
-            <a:avLst/>
-          </a:prstGeom>
-          <a:noFill/>
-        </p:spPr>
-        <p:txBody>
-          <a:bodyPr wrap="none" rtlCol="0">
-            <a:spAutoFit/>
-          </a:bodyPr>
-          <a:lstStyle/>
-          <a:p>
-            <a:r>
-              <a:rPr kumimoji="1" lang="ja-JP" altLang="en-US" sz="2400" b="1">
-                <a:latin typeface="Hiragino Kaku Gothic Pro W3" panose="020B0300000000000000" pitchFamily="34" charset="-128"/>
-                <a:ea typeface="Hiragino Kaku Gothic Pro W3" panose="020B0300000000000000" pitchFamily="34" charset="-128"/>
-              </a:rPr>
-              <a:t>・・・</a:t>
-            </a:r>
-          </a:p>
-        </p:txBody>
-      </p:sp>
       <p:pic>
         <p:nvPicPr>
-          <p:cNvPr id="85" name="図 84">
-            <a:extLst>
-              <a:ext uri="{FF2B5EF4-FFF2-40B4-BE49-F238E27FC236}">
-                <a16:creationId xmlns:a16="http://schemas.microsoft.com/office/drawing/2014/main" id="{383D164C-7F4F-1348-9D96-D1E792CBB626}"/>
+          <p:cNvPr id="79" name="図 78">
+            <a:extLst>
+              <a:ext uri="{FF2B5EF4-FFF2-40B4-BE49-F238E27FC236}">
+                <a16:creationId xmlns:a16="http://schemas.microsoft.com/office/drawing/2014/main" id="{0E366E86-E9A9-084B-AE09-502AC6719CAB}"/>
               </a:ext>
             </a:extLst>
           </p:cNvPr>
@@ -12295,20 +13589,58 @@
         </p:blipFill>
         <p:spPr>
           <a:xfrm>
-            <a:off x="1030875" y="4820689"/>
-            <a:ext cx="1452426" cy="1081755"/>
+            <a:off x="8199872" y="1716235"/>
+            <a:ext cx="1454148" cy="1083037"/>
           </a:xfrm>
           <a:prstGeom prst="rect">
             <a:avLst/>
           </a:prstGeom>
         </p:spPr>
       </p:pic>
+      <p:sp>
+        <p:nvSpPr>
+          <p:cNvPr id="81" name="テキスト ボックス 80">
+            <a:extLst>
+              <a:ext uri="{FF2B5EF4-FFF2-40B4-BE49-F238E27FC236}">
+                <a16:creationId xmlns:a16="http://schemas.microsoft.com/office/drawing/2014/main" id="{5705DA08-B3EF-D940-9FD9-24AEE0ED7A30}"/>
+              </a:ext>
+            </a:extLst>
+          </p:cNvPr>
+          <p:cNvSpPr txBox="1"/>
+          <p:nvPr/>
+        </p:nvSpPr>
+        <p:spPr>
+          <a:xfrm>
+            <a:off x="9873472" y="1983720"/>
+            <a:ext cx="1127232" cy="461665"/>
+          </a:xfrm>
+          <a:prstGeom prst="rect">
+            <a:avLst/>
+          </a:prstGeom>
+          <a:noFill/>
+        </p:spPr>
+        <p:txBody>
+          <a:bodyPr wrap="none" rtlCol="0">
+            <a:spAutoFit/>
+          </a:bodyPr>
+          <a:lstStyle/>
+          <a:p>
+            <a:r>
+              <a:rPr kumimoji="1" lang="ja-JP" altLang="en-US" sz="2400" b="1">
+                <a:latin typeface="Hiragino Kaku Gothic Pro W3" panose="020B0300000000000000" pitchFamily="34" charset="-128"/>
+                <a:ea typeface="Hiragino Kaku Gothic Pro W3" panose="020B0300000000000000" pitchFamily="34" charset="-128"/>
+              </a:rPr>
+              <a:t>・・・</a:t>
+            </a:r>
+          </a:p>
+        </p:txBody>
+      </p:sp>
       <p:pic>
         <p:nvPicPr>
-          <p:cNvPr id="87" name="図 86">
-            <a:extLst>
-              <a:ext uri="{FF2B5EF4-FFF2-40B4-BE49-F238E27FC236}">
-                <a16:creationId xmlns:a16="http://schemas.microsoft.com/office/drawing/2014/main" id="{E5A14569-1074-6746-9FC3-6DB5CA6D96DB}"/>
+          <p:cNvPr id="85" name="図 84">
+            <a:extLst>
+              <a:ext uri="{FF2B5EF4-FFF2-40B4-BE49-F238E27FC236}">
+                <a16:creationId xmlns:a16="http://schemas.microsoft.com/office/drawing/2014/main" id="{383D164C-7F4F-1348-9D96-D1E792CBB626}"/>
               </a:ext>
             </a:extLst>
           </p:cNvPr>
@@ -12325,8 +13657,8 @@
         </p:blipFill>
         <p:spPr>
           <a:xfrm>
-            <a:off x="1030875" y="3578474"/>
-            <a:ext cx="1432189" cy="1066683"/>
+            <a:off x="1030875" y="4820689"/>
+            <a:ext cx="1452426" cy="1081755"/>
           </a:xfrm>
           <a:prstGeom prst="rect">
             <a:avLst/>
@@ -12335,10 +13667,10 @@
       </p:pic>
       <p:pic>
         <p:nvPicPr>
-          <p:cNvPr id="89" name="図 88">
-            <a:extLst>
-              <a:ext uri="{FF2B5EF4-FFF2-40B4-BE49-F238E27FC236}">
-                <a16:creationId xmlns:a16="http://schemas.microsoft.com/office/drawing/2014/main" id="{FABB8A68-4328-9F44-8CB7-1BC87F1147DF}"/>
+          <p:cNvPr id="87" name="図 86">
+            <a:extLst>
+              <a:ext uri="{FF2B5EF4-FFF2-40B4-BE49-F238E27FC236}">
+                <a16:creationId xmlns:a16="http://schemas.microsoft.com/office/drawing/2014/main" id="{E5A14569-1074-6746-9FC3-6DB5CA6D96DB}"/>
               </a:ext>
             </a:extLst>
           </p:cNvPr>
@@ -12355,8 +13687,8 @@
         </p:blipFill>
         <p:spPr>
           <a:xfrm>
-            <a:off x="2906182" y="4820688"/>
-            <a:ext cx="1452426" cy="1081755"/>
+            <a:off x="1030875" y="3578474"/>
+            <a:ext cx="1432189" cy="1066683"/>
           </a:xfrm>
           <a:prstGeom prst="rect">
             <a:avLst/>
@@ -12365,10 +13697,10 @@
       </p:pic>
       <p:pic>
         <p:nvPicPr>
-          <p:cNvPr id="91" name="図 90">
-            <a:extLst>
-              <a:ext uri="{FF2B5EF4-FFF2-40B4-BE49-F238E27FC236}">
-                <a16:creationId xmlns:a16="http://schemas.microsoft.com/office/drawing/2014/main" id="{B86F64EE-920A-2E4F-A580-34C5573E60C8}"/>
+          <p:cNvPr id="89" name="図 88">
+            <a:extLst>
+              <a:ext uri="{FF2B5EF4-FFF2-40B4-BE49-F238E27FC236}">
+                <a16:creationId xmlns:a16="http://schemas.microsoft.com/office/drawing/2014/main" id="{FABB8A68-4328-9F44-8CB7-1BC87F1147DF}"/>
               </a:ext>
             </a:extLst>
           </p:cNvPr>
@@ -12385,7 +13717,7 @@
         </p:blipFill>
         <p:spPr>
           <a:xfrm>
-            <a:off x="2885775" y="3578225"/>
+            <a:off x="2906182" y="4820688"/>
             <a:ext cx="1452426" cy="1081755"/>
           </a:xfrm>
           <a:prstGeom prst="rect">
@@ -12395,10 +13727,10 @@
       </p:pic>
       <p:pic>
         <p:nvPicPr>
-          <p:cNvPr id="93" name="図 92">
-            <a:extLst>
-              <a:ext uri="{FF2B5EF4-FFF2-40B4-BE49-F238E27FC236}">
-                <a16:creationId xmlns:a16="http://schemas.microsoft.com/office/drawing/2014/main" id="{7146DE68-C3D7-E945-B1B7-BBE305625AC3}"/>
+          <p:cNvPr id="91" name="図 90">
+            <a:extLst>
+              <a:ext uri="{FF2B5EF4-FFF2-40B4-BE49-F238E27FC236}">
+                <a16:creationId xmlns:a16="http://schemas.microsoft.com/office/drawing/2014/main" id="{B86F64EE-920A-2E4F-A580-34C5573E60C8}"/>
               </a:ext>
             </a:extLst>
           </p:cNvPr>
@@ -12415,7 +13747,7 @@
         </p:blipFill>
         <p:spPr>
           <a:xfrm>
-            <a:off x="4649542" y="4820687"/>
+            <a:off x="2885775" y="3578225"/>
             <a:ext cx="1452426" cy="1081755"/>
           </a:xfrm>
           <a:prstGeom prst="rect">
@@ -12425,10 +13757,10 @@
       </p:pic>
       <p:pic>
         <p:nvPicPr>
-          <p:cNvPr id="95" name="図 94">
-            <a:extLst>
-              <a:ext uri="{FF2B5EF4-FFF2-40B4-BE49-F238E27FC236}">
-                <a16:creationId xmlns:a16="http://schemas.microsoft.com/office/drawing/2014/main" id="{FEAFD79D-72BA-6F4A-AEA5-793CD2656CC8}"/>
+          <p:cNvPr id="93" name="図 92">
+            <a:extLst>
+              <a:ext uri="{FF2B5EF4-FFF2-40B4-BE49-F238E27FC236}">
+                <a16:creationId xmlns:a16="http://schemas.microsoft.com/office/drawing/2014/main" id="{7146DE68-C3D7-E945-B1B7-BBE305625AC3}"/>
               </a:ext>
             </a:extLst>
           </p:cNvPr>
@@ -12445,7 +13777,7 @@
         </p:blipFill>
         <p:spPr>
           <a:xfrm>
-            <a:off x="4649542" y="3575913"/>
+            <a:off x="4649542" y="4820687"/>
             <a:ext cx="1452426" cy="1081755"/>
           </a:xfrm>
           <a:prstGeom prst="rect">
@@ -12455,10 +13787,10 @@
       </p:pic>
       <p:pic>
         <p:nvPicPr>
-          <p:cNvPr id="97" name="図 96">
-            <a:extLst>
-              <a:ext uri="{FF2B5EF4-FFF2-40B4-BE49-F238E27FC236}">
-                <a16:creationId xmlns:a16="http://schemas.microsoft.com/office/drawing/2014/main" id="{3E80522B-DBD0-7D43-846F-296A36FAF8E7}"/>
+          <p:cNvPr id="95" name="図 94">
+            <a:extLst>
+              <a:ext uri="{FF2B5EF4-FFF2-40B4-BE49-F238E27FC236}">
+                <a16:creationId xmlns:a16="http://schemas.microsoft.com/office/drawing/2014/main" id="{FEAFD79D-72BA-6F4A-AEA5-793CD2656CC8}"/>
               </a:ext>
             </a:extLst>
           </p:cNvPr>
@@ -12475,8 +13807,8 @@
         </p:blipFill>
         <p:spPr>
           <a:xfrm>
-            <a:off x="6398712" y="4827630"/>
-            <a:ext cx="1452427" cy="1081756"/>
+            <a:off x="4649542" y="3575913"/>
+            <a:ext cx="1452426" cy="1081755"/>
           </a:xfrm>
           <a:prstGeom prst="rect">
             <a:avLst/>
@@ -12485,10 +13817,10 @@
       </p:pic>
       <p:pic>
         <p:nvPicPr>
-          <p:cNvPr id="99" name="図 98">
-            <a:extLst>
-              <a:ext uri="{FF2B5EF4-FFF2-40B4-BE49-F238E27FC236}">
-                <a16:creationId xmlns:a16="http://schemas.microsoft.com/office/drawing/2014/main" id="{8A28282A-B8C4-6544-ABB2-2282859D5DEC}"/>
+          <p:cNvPr id="97" name="図 96">
+            <a:extLst>
+              <a:ext uri="{FF2B5EF4-FFF2-40B4-BE49-F238E27FC236}">
+                <a16:creationId xmlns:a16="http://schemas.microsoft.com/office/drawing/2014/main" id="{3E80522B-DBD0-7D43-846F-296A36FAF8E7}"/>
               </a:ext>
             </a:extLst>
           </p:cNvPr>
@@ -12505,7 +13837,7 @@
         </p:blipFill>
         <p:spPr>
           <a:xfrm>
-            <a:off x="6393654" y="3578224"/>
+            <a:off x="6398712" y="4827630"/>
             <a:ext cx="1452427" cy="1081756"/>
           </a:xfrm>
           <a:prstGeom prst="rect">
@@ -12515,10 +13847,10 @@
       </p:pic>
       <p:pic>
         <p:nvPicPr>
-          <p:cNvPr id="101" name="図 100">
-            <a:extLst>
-              <a:ext uri="{FF2B5EF4-FFF2-40B4-BE49-F238E27FC236}">
-                <a16:creationId xmlns:a16="http://schemas.microsoft.com/office/drawing/2014/main" id="{79E19303-CC52-D140-8D13-4D87047E239D}"/>
+          <p:cNvPr id="99" name="図 98">
+            <a:extLst>
+              <a:ext uri="{FF2B5EF4-FFF2-40B4-BE49-F238E27FC236}">
+                <a16:creationId xmlns:a16="http://schemas.microsoft.com/office/drawing/2014/main" id="{8A28282A-B8C4-6544-ABB2-2282859D5DEC}"/>
               </a:ext>
             </a:extLst>
           </p:cNvPr>
@@ -12535,8 +13867,8 @@
         </p:blipFill>
         <p:spPr>
           <a:xfrm>
-            <a:off x="8137767" y="4827631"/>
-            <a:ext cx="1452426" cy="1081755"/>
+            <a:off x="6393654" y="3578224"/>
+            <a:ext cx="1452427" cy="1081756"/>
           </a:xfrm>
           <a:prstGeom prst="rect">
             <a:avLst/>
@@ -12545,10 +13877,10 @@
       </p:pic>
       <p:pic>
         <p:nvPicPr>
-          <p:cNvPr id="103" name="図 102">
-            <a:extLst>
-              <a:ext uri="{FF2B5EF4-FFF2-40B4-BE49-F238E27FC236}">
-                <a16:creationId xmlns:a16="http://schemas.microsoft.com/office/drawing/2014/main" id="{0007E68E-EB29-B942-B4B7-C7CFEEFA7FFF}"/>
+          <p:cNvPr id="101" name="図 100">
+            <a:extLst>
+              <a:ext uri="{FF2B5EF4-FFF2-40B4-BE49-F238E27FC236}">
+                <a16:creationId xmlns:a16="http://schemas.microsoft.com/office/drawing/2014/main" id="{79E19303-CC52-D140-8D13-4D87047E239D}"/>
               </a:ext>
             </a:extLst>
           </p:cNvPr>
@@ -12559,6 +13891,36 @@
         </p:nvPicPr>
         <p:blipFill>
           <a:blip r:embed="rId36"/>
+          <a:stretch>
+            <a:fillRect/>
+          </a:stretch>
+        </p:blipFill>
+        <p:spPr>
+          <a:xfrm>
+            <a:off x="8137767" y="4827631"/>
+            <a:ext cx="1452426" cy="1081755"/>
+          </a:xfrm>
+          <a:prstGeom prst="rect">
+            <a:avLst/>
+          </a:prstGeom>
+        </p:spPr>
+      </p:pic>
+      <p:pic>
+        <p:nvPicPr>
+          <p:cNvPr id="103" name="図 102">
+            <a:extLst>
+              <a:ext uri="{FF2B5EF4-FFF2-40B4-BE49-F238E27FC236}">
+                <a16:creationId xmlns:a16="http://schemas.microsoft.com/office/drawing/2014/main" id="{0007E68E-EB29-B942-B4B7-C7CFEEFA7FFF}"/>
+              </a:ext>
+            </a:extLst>
+          </p:cNvPr>
+          <p:cNvPicPr>
+            <a:picLocks noChangeAspect="1"/>
+          </p:cNvPicPr>
+          <p:nvPr/>
+        </p:nvPicPr>
+        <p:blipFill>
+          <a:blip r:embed="rId37"/>
           <a:stretch>
             <a:fillRect/>
           </a:stretch>
@@ -12860,7 +14222,7 @@
           <p:nvPr/>
         </p:nvPicPr>
         <p:blipFill>
-          <a:blip r:embed="rId2"/>
+          <a:blip r:embed="rId3"/>
           <a:stretch>
             <a:fillRect/>
           </a:stretch>
@@ -12890,7 +14252,7 @@
           <p:nvPr/>
         </p:nvPicPr>
         <p:blipFill>
-          <a:blip r:embed="rId3"/>
+          <a:blip r:embed="rId4"/>
           <a:stretch>
             <a:fillRect/>
           </a:stretch>
@@ -13106,7 +14468,7 @@
             <p:nvPr/>
           </p:nvPicPr>
           <p:blipFill>
-            <a:blip r:embed="rId4"/>
+            <a:blip r:embed="rId5"/>
             <a:stretch>
               <a:fillRect/>
             </a:stretch>
@@ -13136,7 +14498,7 @@
             <p:nvPr/>
           </p:nvPicPr>
           <p:blipFill>
-            <a:blip r:embed="rId5"/>
+            <a:blip r:embed="rId6"/>
             <a:stretch>
               <a:fillRect/>
             </a:stretch>
@@ -13166,7 +14528,7 @@
             <p:nvPr/>
           </p:nvPicPr>
           <p:blipFill>
-            <a:blip r:embed="rId6"/>
+            <a:blip r:embed="rId7"/>
             <a:stretch>
               <a:fillRect/>
             </a:stretch>
@@ -13540,7 +14902,7 @@
           <p:nvPr/>
         </p:nvPicPr>
         <p:blipFill rotWithShape="1">
-          <a:blip r:embed="rId7"/>
+          <a:blip r:embed="rId8"/>
           <a:srcRect l="25035" t="11004" r="28787" b="23547"/>
           <a:stretch/>
         </p:blipFill>
@@ -15291,36 +16653,6 @@
           <p:nvPr/>
         </p:nvPicPr>
         <p:blipFill>
-          <a:blip r:embed="rId2"/>
-          <a:stretch>
-            <a:fillRect/>
-          </a:stretch>
-        </p:blipFill>
-        <p:spPr>
-          <a:xfrm>
-            <a:off x="7606027" y="2355737"/>
-            <a:ext cx="1270000" cy="1270000"/>
-          </a:xfrm>
-          <a:prstGeom prst="rect">
-            <a:avLst/>
-          </a:prstGeom>
-        </p:spPr>
-      </p:pic>
-      <p:pic>
-        <p:nvPicPr>
-          <p:cNvPr id="23" name="図 22">
-            <a:extLst>
-              <a:ext uri="{FF2B5EF4-FFF2-40B4-BE49-F238E27FC236}">
-                <a16:creationId xmlns:a16="http://schemas.microsoft.com/office/drawing/2014/main" id="{3128DF44-CD14-0944-9BD3-FC852AA7C54E}"/>
-              </a:ext>
-            </a:extLst>
-          </p:cNvPr>
-          <p:cNvPicPr>
-            <a:picLocks noChangeAspect="1"/>
-          </p:cNvPicPr>
-          <p:nvPr/>
-        </p:nvPicPr>
-        <p:blipFill>
           <a:blip r:embed="rId3"/>
           <a:stretch>
             <a:fillRect/>
@@ -15328,7 +16660,7 @@
         </p:blipFill>
         <p:spPr>
           <a:xfrm>
-            <a:off x="5842004" y="2355737"/>
+            <a:off x="7606027" y="2355737"/>
             <a:ext cx="1270000" cy="1270000"/>
           </a:xfrm>
           <a:prstGeom prst="rect">
@@ -15338,10 +16670,10 @@
       </p:pic>
       <p:pic>
         <p:nvPicPr>
-          <p:cNvPr id="25" name="図 24">
-            <a:extLst>
-              <a:ext uri="{FF2B5EF4-FFF2-40B4-BE49-F238E27FC236}">
-                <a16:creationId xmlns:a16="http://schemas.microsoft.com/office/drawing/2014/main" id="{2FABC274-D2C3-824D-ABEF-F6FFA148E219}"/>
+          <p:cNvPr id="23" name="図 22">
+            <a:extLst>
+              <a:ext uri="{FF2B5EF4-FFF2-40B4-BE49-F238E27FC236}">
+                <a16:creationId xmlns:a16="http://schemas.microsoft.com/office/drawing/2014/main" id="{3128DF44-CD14-0944-9BD3-FC852AA7C54E}"/>
               </a:ext>
             </a:extLst>
           </p:cNvPr>
@@ -15358,7 +16690,7 @@
         </p:blipFill>
         <p:spPr>
           <a:xfrm>
-            <a:off x="5842004" y="4144056"/>
+            <a:off x="5842004" y="2355737"/>
             <a:ext cx="1270000" cy="1270000"/>
           </a:xfrm>
           <a:prstGeom prst="rect">
@@ -15368,10 +16700,10 @@
       </p:pic>
       <p:pic>
         <p:nvPicPr>
-          <p:cNvPr id="27" name="図 26">
-            <a:extLst>
-              <a:ext uri="{FF2B5EF4-FFF2-40B4-BE49-F238E27FC236}">
-                <a16:creationId xmlns:a16="http://schemas.microsoft.com/office/drawing/2014/main" id="{BF21EA42-F49D-2F48-847F-21AEE1E9F6B2}"/>
+          <p:cNvPr id="25" name="図 24">
+            <a:extLst>
+              <a:ext uri="{FF2B5EF4-FFF2-40B4-BE49-F238E27FC236}">
+                <a16:creationId xmlns:a16="http://schemas.microsoft.com/office/drawing/2014/main" id="{2FABC274-D2C3-824D-ABEF-F6FFA148E219}"/>
               </a:ext>
             </a:extLst>
           </p:cNvPr>
@@ -15382,6 +16714,36 @@
         </p:nvPicPr>
         <p:blipFill>
           <a:blip r:embed="rId5"/>
+          <a:stretch>
+            <a:fillRect/>
+          </a:stretch>
+        </p:blipFill>
+        <p:spPr>
+          <a:xfrm>
+            <a:off x="5842004" y="4144056"/>
+            <a:ext cx="1270000" cy="1270000"/>
+          </a:xfrm>
+          <a:prstGeom prst="rect">
+            <a:avLst/>
+          </a:prstGeom>
+        </p:spPr>
+      </p:pic>
+      <p:pic>
+        <p:nvPicPr>
+          <p:cNvPr id="27" name="図 26">
+            <a:extLst>
+              <a:ext uri="{FF2B5EF4-FFF2-40B4-BE49-F238E27FC236}">
+                <a16:creationId xmlns:a16="http://schemas.microsoft.com/office/drawing/2014/main" id="{BF21EA42-F49D-2F48-847F-21AEE1E9F6B2}"/>
+              </a:ext>
+            </a:extLst>
+          </p:cNvPr>
+          <p:cNvPicPr>
+            <a:picLocks noChangeAspect="1"/>
+          </p:cNvPicPr>
+          <p:nvPr/>
+        </p:nvPicPr>
+        <p:blipFill>
+          <a:blip r:embed="rId6"/>
           <a:stretch>
             <a:fillRect/>
           </a:stretch>
@@ -15615,7 +16977,7 @@
             <p:nvPr/>
           </p:nvPicPr>
           <p:blipFill>
-            <a:blip r:embed="rId6"/>
+            <a:blip r:embed="rId7"/>
             <a:stretch>
               <a:fillRect/>
             </a:stretch>
@@ -15645,7 +17007,7 @@
             <p:nvPr/>
           </p:nvPicPr>
           <p:blipFill>
-            <a:blip r:embed="rId7"/>
+            <a:blip r:embed="rId8"/>
             <a:stretch>
               <a:fillRect/>
             </a:stretch>
@@ -15675,7 +17037,7 @@
             <p:nvPr/>
           </p:nvPicPr>
           <p:blipFill>
-            <a:blip r:embed="rId7"/>
+            <a:blip r:embed="rId8"/>
             <a:stretch>
               <a:fillRect/>
             </a:stretch>
@@ -15791,7 +17153,7 @@
             <p:nvPr/>
           </p:nvPicPr>
           <p:blipFill>
-            <a:blip r:embed="rId6"/>
+            <a:blip r:embed="rId7"/>
             <a:stretch>
               <a:fillRect/>
             </a:stretch>
@@ -15822,7 +17184,7 @@
           <p:nvPr/>
         </p:nvPicPr>
         <p:blipFill>
-          <a:blip r:embed="rId8"/>
+          <a:blip r:embed="rId9"/>
           <a:stretch>
             <a:fillRect/>
           </a:stretch>
@@ -16050,8 +17412,8 @@
         </p:nvSpPr>
         <p:spPr>
           <a:xfrm>
-            <a:off x="838200" y="1690688"/>
-            <a:ext cx="6477000" cy="2481705"/>
+            <a:off x="838199" y="1690688"/>
+            <a:ext cx="7985289" cy="2151615"/>
           </a:xfrm>
           <a:prstGeom prst="rect">
             <a:avLst/>
@@ -16077,7 +17439,7 @@
           <a:p>
             <a:pPr lvl="1">
               <a:lnSpc>
-                <a:spcPct val="150000"/>
+                <a:spcPct val="120000"/>
               </a:lnSpc>
               <a:buFont typeface="Wingdings" pitchFamily="2" charset="2"/>
               <a:buChar char="Ø"/>
@@ -16097,7 +17459,7 @@
           <a:p>
             <a:pPr lvl="1">
               <a:lnSpc>
-                <a:spcPct val="150000"/>
+                <a:spcPct val="120000"/>
               </a:lnSpc>
               <a:buFont typeface="Wingdings" pitchFamily="2" charset="2"/>
               <a:buChar char="Ø"/>
@@ -16113,7 +17475,7 @@
           <a:p>
             <a:pPr lvl="1">
               <a:lnSpc>
-                <a:spcPct val="150000"/>
+                <a:spcPct val="120000"/>
               </a:lnSpc>
               <a:buFont typeface="Wingdings" pitchFamily="2" charset="2"/>
               <a:buChar char="Ø"/>
@@ -16126,6 +17488,144 @@
               <a:t>HOG(Histogram of Oriented Gradients)</a:t>
             </a:r>
             <a:endParaRPr lang="en-US" altLang="ja-JP" dirty="0"/>
+          </a:p>
+        </p:txBody>
+      </p:sp>
+      <p:pic>
+        <p:nvPicPr>
+          <p:cNvPr id="10" name="図 9">
+            <a:extLst>
+              <a:ext uri="{FF2B5EF4-FFF2-40B4-BE49-F238E27FC236}">
+                <a16:creationId xmlns:a16="http://schemas.microsoft.com/office/drawing/2014/main" id="{4E2EFC7C-1518-40A8-B3C3-2A34D5772EF2}"/>
+              </a:ext>
+            </a:extLst>
+          </p:cNvPr>
+          <p:cNvPicPr>
+            <a:picLocks noChangeAspect="1"/>
+          </p:cNvPicPr>
+          <p:nvPr/>
+        </p:nvPicPr>
+        <p:blipFill>
+          <a:blip r:embed="rId3"/>
+          <a:stretch>
+            <a:fillRect/>
+          </a:stretch>
+        </p:blipFill>
+        <p:spPr>
+          <a:xfrm>
+            <a:off x="6495068" y="4647061"/>
+            <a:ext cx="4036918" cy="1687286"/>
+          </a:xfrm>
+          <a:prstGeom prst="rect">
+            <a:avLst/>
+          </a:prstGeom>
+        </p:spPr>
+      </p:pic>
+      <p:pic>
+        <p:nvPicPr>
+          <p:cNvPr id="13" name="図 12">
+            <a:extLst>
+              <a:ext uri="{FF2B5EF4-FFF2-40B4-BE49-F238E27FC236}">
+                <a16:creationId xmlns:a16="http://schemas.microsoft.com/office/drawing/2014/main" id="{5E885475-6559-4D54-9BAA-3E969C7332BD}"/>
+              </a:ext>
+            </a:extLst>
+          </p:cNvPr>
+          <p:cNvPicPr>
+            <a:picLocks noChangeAspect="1"/>
+          </p:cNvPicPr>
+          <p:nvPr/>
+        </p:nvPicPr>
+        <p:blipFill>
+          <a:blip r:embed="rId4"/>
+          <a:stretch>
+            <a:fillRect/>
+          </a:stretch>
+        </p:blipFill>
+        <p:spPr>
+          <a:xfrm>
+            <a:off x="1246536" y="4647061"/>
+            <a:ext cx="4002512" cy="1687286"/>
+          </a:xfrm>
+          <a:prstGeom prst="rect">
+            <a:avLst/>
+          </a:prstGeom>
+        </p:spPr>
+      </p:pic>
+      <p:sp>
+        <p:nvSpPr>
+          <p:cNvPr id="14" name="正方形/長方形 13">
+            <a:extLst>
+              <a:ext uri="{FF2B5EF4-FFF2-40B4-BE49-F238E27FC236}">
+                <a16:creationId xmlns:a16="http://schemas.microsoft.com/office/drawing/2014/main" id="{5A6A90BC-CF01-4A1B-8E41-722DBD6D0BB6}"/>
+              </a:ext>
+            </a:extLst>
+          </p:cNvPr>
+          <p:cNvSpPr/>
+          <p:nvPr/>
+        </p:nvSpPr>
+        <p:spPr>
+          <a:xfrm>
+            <a:off x="2763451" y="4123841"/>
+            <a:ext cx="968681" cy="523220"/>
+          </a:xfrm>
+          <a:prstGeom prst="rect">
+            <a:avLst/>
+          </a:prstGeom>
+        </p:spPr>
+        <p:txBody>
+          <a:bodyPr wrap="square" anchor="ctr">
+            <a:spAutoFit/>
+          </a:bodyPr>
+          <a:lstStyle/>
+          <a:p>
+            <a:pPr algn="ctr"/>
+            <a:r>
+              <a:rPr lang="en-US" altLang="ja-JP" sz="2800" b="1" dirty="0">
+                <a:latin typeface="DIN Alternate" panose="020B0500000000000000"/>
+                <a:ea typeface="Hiragino Kaku Gothic Pro W3" panose="020B0300000000000000" pitchFamily="34" charset="-128"/>
+              </a:rPr>
+              <a:t>DCT</a:t>
+            </a:r>
+            <a:endParaRPr lang="ja-JP" altLang="en-US" sz="2800" dirty="0"/>
+          </a:p>
+        </p:txBody>
+      </p:sp>
+      <p:sp>
+        <p:nvSpPr>
+          <p:cNvPr id="16" name="正方形/長方形 15">
+            <a:extLst>
+              <a:ext uri="{FF2B5EF4-FFF2-40B4-BE49-F238E27FC236}">
+                <a16:creationId xmlns:a16="http://schemas.microsoft.com/office/drawing/2014/main" id="{09D299A0-9836-4B1E-96A2-7B4AD3BFAF5E}"/>
+              </a:ext>
+            </a:extLst>
+          </p:cNvPr>
+          <p:cNvSpPr/>
+          <p:nvPr/>
+        </p:nvSpPr>
+        <p:spPr>
+          <a:xfrm>
+            <a:off x="8029186" y="4129740"/>
+            <a:ext cx="968681" cy="523220"/>
+          </a:xfrm>
+          <a:prstGeom prst="rect">
+            <a:avLst/>
+          </a:prstGeom>
+        </p:spPr>
+        <p:txBody>
+          <a:bodyPr wrap="square" anchor="ctr">
+            <a:spAutoFit/>
+          </a:bodyPr>
+          <a:lstStyle/>
+          <a:p>
+            <a:pPr algn="ctr"/>
+            <a:r>
+              <a:rPr lang="en-US" altLang="ja-JP" sz="2800" b="1" dirty="0">
+                <a:latin typeface="DIN Alternate" panose="020B0500000000000000"/>
+                <a:ea typeface="Hiragino Kaku Gothic Pro W3" panose="020B0300000000000000" pitchFamily="34" charset="-128"/>
+              </a:rPr>
+              <a:t>HOG</a:t>
+            </a:r>
+            <a:endParaRPr lang="ja-JP" altLang="en-US" sz="2800" dirty="0"/>
           </a:p>
         </p:txBody>
       </p:sp>

--- a/プロジェクト実験　最終発表/プロジェクト実験最終発表.pptx
+++ b/プロジェクト実験　最終発表/プロジェクト実験最終発表.pptx
@@ -11833,7 +11833,7 @@
               <a:t>法による</a:t>
             </a:r>
             <a:r>
-              <a:rPr kumimoji="1" lang="ja-JP" altLang="en-US" sz="3200" dirty="0">
+              <a:rPr kumimoji="1" lang="ja-JP" altLang="en-US" sz="3200" b="1" dirty="0">
                 <a:solidFill>
                   <a:schemeClr val="accent2"/>
                 </a:solidFill>
@@ -11857,7 +11857,7 @@
               <a:t>分類手法として</a:t>
             </a:r>
             <a:r>
-              <a:rPr kumimoji="1" lang="ja-JP" altLang="en-US" sz="3200" dirty="0">
+              <a:rPr kumimoji="1" lang="ja-JP" altLang="en-US" sz="3200" b="1" dirty="0">
                 <a:solidFill>
                   <a:schemeClr val="accent2"/>
                 </a:solidFill>
